--- a/Parceiros/djangogirls.pptx
+++ b/Parceiros/djangogirls.pptx
@@ -86,8 +86,8 @@
         </p:nvSpPr>
         <p:spPr>
           <a:xfrm>
-            <a:off x="1778040" y="2298600"/>
-            <a:ext cx="20827800" cy="4647960"/>
+            <a:off x="1218960" y="547200"/>
+            <a:ext cx="21944880" cy="2289960"/>
           </a:xfrm>
           <a:prstGeom prst="rect">
             <a:avLst/>
@@ -113,8 +113,8 @@
         </p:nvSpPr>
         <p:spPr>
           <a:xfrm>
-            <a:off x="1778040" y="7074000"/>
-            <a:ext cx="20827800" cy="757080"/>
+            <a:off x="1218960" y="3209400"/>
+            <a:ext cx="21944880" cy="3794400"/>
           </a:xfrm>
           <a:prstGeom prst="rect">
             <a:avLst/>
@@ -123,7 +123,6 @@
         <p:txBody>
           <a:bodyPr lIns="0" rIns="0" tIns="0" bIns="0"/>
           <a:p>
-            <a:pPr algn="ctr"/>
             <a:endParaRPr/>
           </a:p>
         </p:txBody>
@@ -140,8 +139,8 @@
         </p:nvSpPr>
         <p:spPr>
           <a:xfrm>
-            <a:off x="1778040" y="7903440"/>
-            <a:ext cx="20827800" cy="757080"/>
+            <a:off x="1218960" y="7364520"/>
+            <a:ext cx="21944880" cy="3794400"/>
           </a:xfrm>
           <a:prstGeom prst="rect">
             <a:avLst/>
@@ -150,7 +149,6 @@
         <p:txBody>
           <a:bodyPr lIns="0" rIns="0" tIns="0" bIns="0"/>
           <a:p>
-            <a:pPr algn="ctr"/>
             <a:endParaRPr/>
           </a:p>
         </p:txBody>
@@ -189,8 +187,8 @@
         </p:nvSpPr>
         <p:spPr>
           <a:xfrm>
-            <a:off x="1778040" y="2298600"/>
-            <a:ext cx="20827800" cy="4647960"/>
+            <a:off x="1218960" y="547200"/>
+            <a:ext cx="21944880" cy="2289960"/>
           </a:xfrm>
           <a:prstGeom prst="rect">
             <a:avLst/>
@@ -216,8 +214,8 @@
         </p:nvSpPr>
         <p:spPr>
           <a:xfrm>
-            <a:off x="1778040" y="7074000"/>
-            <a:ext cx="10163880" cy="757080"/>
+            <a:off x="1218960" y="3209400"/>
+            <a:ext cx="10708920" cy="3794400"/>
           </a:xfrm>
           <a:prstGeom prst="rect">
             <a:avLst/>
@@ -226,7 +224,6 @@
         <p:txBody>
           <a:bodyPr lIns="0" rIns="0" tIns="0" bIns="0"/>
           <a:p>
-            <a:pPr algn="ctr"/>
             <a:endParaRPr/>
           </a:p>
         </p:txBody>
@@ -243,8 +240,8 @@
         </p:nvSpPr>
         <p:spPr>
           <a:xfrm>
-            <a:off x="12450600" y="7074000"/>
-            <a:ext cx="10163880" cy="757080"/>
+            <a:off x="12463560" y="3209400"/>
+            <a:ext cx="10708920" cy="3794400"/>
           </a:xfrm>
           <a:prstGeom prst="rect">
             <a:avLst/>
@@ -253,7 +250,6 @@
         <p:txBody>
           <a:bodyPr lIns="0" rIns="0" tIns="0" bIns="0"/>
           <a:p>
-            <a:pPr algn="ctr"/>
             <a:endParaRPr/>
           </a:p>
         </p:txBody>
@@ -270,8 +266,8 @@
         </p:nvSpPr>
         <p:spPr>
           <a:xfrm>
-            <a:off x="12450600" y="7903440"/>
-            <a:ext cx="10163880" cy="757080"/>
+            <a:off x="12463560" y="7364520"/>
+            <a:ext cx="10708920" cy="3794400"/>
           </a:xfrm>
           <a:prstGeom prst="rect">
             <a:avLst/>
@@ -280,7 +276,6 @@
         <p:txBody>
           <a:bodyPr lIns="0" rIns="0" tIns="0" bIns="0"/>
           <a:p>
-            <a:pPr algn="ctr"/>
             <a:endParaRPr/>
           </a:p>
         </p:txBody>
@@ -297,8 +292,8 @@
         </p:nvSpPr>
         <p:spPr>
           <a:xfrm>
-            <a:off x="1778040" y="7903440"/>
-            <a:ext cx="10163880" cy="757080"/>
+            <a:off x="1218960" y="7364520"/>
+            <a:ext cx="10708920" cy="3794400"/>
           </a:xfrm>
           <a:prstGeom prst="rect">
             <a:avLst/>
@@ -307,7 +302,6 @@
         <p:txBody>
           <a:bodyPr lIns="0" rIns="0" tIns="0" bIns="0"/>
           <a:p>
-            <a:pPr algn="ctr"/>
             <a:endParaRPr/>
           </a:p>
         </p:txBody>
@@ -346,8 +340,8 @@
         </p:nvSpPr>
         <p:spPr>
           <a:xfrm>
-            <a:off x="1778040" y="2298600"/>
-            <a:ext cx="20827800" cy="4647960"/>
+            <a:off x="1218960" y="547200"/>
+            <a:ext cx="21944880" cy="2289960"/>
           </a:xfrm>
           <a:prstGeom prst="rect">
             <a:avLst/>
@@ -373,8 +367,8 @@
         </p:nvSpPr>
         <p:spPr>
           <a:xfrm>
-            <a:off x="1778040" y="7074000"/>
-            <a:ext cx="20827800" cy="1587240"/>
+            <a:off x="1218960" y="3209400"/>
+            <a:ext cx="21944880" cy="7954920"/>
           </a:xfrm>
           <a:prstGeom prst="rect">
             <a:avLst/>
@@ -383,7 +377,6 @@
         <p:txBody>
           <a:bodyPr lIns="0" rIns="0" tIns="0" bIns="0"/>
           <a:p>
-            <a:pPr algn="ctr"/>
             <a:endParaRPr/>
           </a:p>
         </p:txBody>
@@ -400,8 +393,8 @@
         </p:nvSpPr>
         <p:spPr>
           <a:xfrm>
-            <a:off x="1778040" y="7074000"/>
-            <a:ext cx="20827800" cy="1587240"/>
+            <a:off x="1218960" y="3209400"/>
+            <a:ext cx="21944880" cy="7954920"/>
           </a:xfrm>
           <a:prstGeom prst="rect">
             <a:avLst/>
@@ -410,7 +403,6 @@
         <p:txBody>
           <a:bodyPr lIns="0" rIns="0" tIns="0" bIns="0"/>
           <a:p>
-            <a:pPr algn="ctr"/>
             <a:endParaRPr/>
           </a:p>
         </p:txBody>
@@ -427,8 +419,8 @@
         </p:blipFill>
         <p:spPr>
           <a:xfrm>
-            <a:off x="11197080" y="7073640"/>
-            <a:ext cx="1989360" cy="1587240"/>
+            <a:off x="7206120" y="3209040"/>
+            <a:ext cx="9970200" cy="7954920"/>
           </a:xfrm>
           <a:prstGeom prst="rect">
             <a:avLst/>
@@ -450,8 +442,8 @@
         </p:blipFill>
         <p:spPr>
           <a:xfrm>
-            <a:off x="11197080" y="7073640"/>
-            <a:ext cx="1989360" cy="1587240"/>
+            <a:off x="7206120" y="3209040"/>
+            <a:ext cx="9970200" cy="7954920"/>
           </a:xfrm>
           <a:prstGeom prst="rect">
             <a:avLst/>
@@ -517,8 +509,8 @@
         </p:nvSpPr>
         <p:spPr>
           <a:xfrm>
-            <a:off x="1778040" y="2298600"/>
-            <a:ext cx="20827800" cy="4647960"/>
+            <a:off x="1218960" y="547200"/>
+            <a:ext cx="21944880" cy="2289960"/>
           </a:xfrm>
           <a:prstGeom prst="rect">
             <a:avLst/>
@@ -544,8 +536,8 @@
         </p:nvSpPr>
         <p:spPr>
           <a:xfrm>
-            <a:off x="1778040" y="7074000"/>
-            <a:ext cx="20827800" cy="1587240"/>
+            <a:off x="1218960" y="3209400"/>
+            <a:ext cx="21944880" cy="7954920"/>
           </a:xfrm>
           <a:prstGeom prst="rect">
             <a:avLst/>
@@ -593,8 +585,8 @@
         </p:nvSpPr>
         <p:spPr>
           <a:xfrm>
-            <a:off x="1778040" y="2298600"/>
-            <a:ext cx="20827800" cy="4647960"/>
+            <a:off x="1218960" y="547200"/>
+            <a:ext cx="21944880" cy="2289960"/>
           </a:xfrm>
           <a:prstGeom prst="rect">
             <a:avLst/>
@@ -620,8 +612,8 @@
         </p:nvSpPr>
         <p:spPr>
           <a:xfrm>
-            <a:off x="1778040" y="7074000"/>
-            <a:ext cx="20827800" cy="1587240"/>
+            <a:off x="1218960" y="3209400"/>
+            <a:ext cx="21944880" cy="7954920"/>
           </a:xfrm>
           <a:prstGeom prst="rect">
             <a:avLst/>
@@ -630,7 +622,6 @@
         <p:txBody>
           <a:bodyPr lIns="0" rIns="0" tIns="0" bIns="0"/>
           <a:p>
-            <a:pPr algn="ctr"/>
             <a:endParaRPr/>
           </a:p>
         </p:txBody>
@@ -669,8 +660,8 @@
         </p:nvSpPr>
         <p:spPr>
           <a:xfrm>
-            <a:off x="1778040" y="2298600"/>
-            <a:ext cx="20827800" cy="4647960"/>
+            <a:off x="1218960" y="547200"/>
+            <a:ext cx="21944880" cy="2289960"/>
           </a:xfrm>
           <a:prstGeom prst="rect">
             <a:avLst/>
@@ -696,8 +687,8 @@
         </p:nvSpPr>
         <p:spPr>
           <a:xfrm>
-            <a:off x="1778040" y="7074000"/>
-            <a:ext cx="10163880" cy="1587240"/>
+            <a:off x="1218960" y="3209400"/>
+            <a:ext cx="10708920" cy="7954920"/>
           </a:xfrm>
           <a:prstGeom prst="rect">
             <a:avLst/>
@@ -706,7 +697,6 @@
         <p:txBody>
           <a:bodyPr lIns="0" rIns="0" tIns="0" bIns="0"/>
           <a:p>
-            <a:pPr algn="ctr"/>
             <a:endParaRPr/>
           </a:p>
         </p:txBody>
@@ -723,8 +713,8 @@
         </p:nvSpPr>
         <p:spPr>
           <a:xfrm>
-            <a:off x="12450600" y="7074000"/>
-            <a:ext cx="10163880" cy="1587240"/>
+            <a:off x="12463560" y="3209400"/>
+            <a:ext cx="10708920" cy="7954920"/>
           </a:xfrm>
           <a:prstGeom prst="rect">
             <a:avLst/>
@@ -733,7 +723,6 @@
         <p:txBody>
           <a:bodyPr lIns="0" rIns="0" tIns="0" bIns="0"/>
           <a:p>
-            <a:pPr algn="ctr"/>
             <a:endParaRPr/>
           </a:p>
         </p:txBody>
@@ -772,8 +761,8 @@
         </p:nvSpPr>
         <p:spPr>
           <a:xfrm>
-            <a:off x="1778040" y="2298600"/>
-            <a:ext cx="20827800" cy="4647960"/>
+            <a:off x="1218960" y="547200"/>
+            <a:ext cx="21944880" cy="2289960"/>
           </a:xfrm>
           <a:prstGeom prst="rect">
             <a:avLst/>
@@ -821,8 +810,8 @@
         </p:nvSpPr>
         <p:spPr>
           <a:xfrm>
-            <a:off x="1778040" y="2298600"/>
-            <a:ext cx="20827800" cy="21546360"/>
+            <a:off x="1218960" y="547200"/>
+            <a:ext cx="21944880" cy="10616040"/>
           </a:xfrm>
           <a:prstGeom prst="rect">
             <a:avLst/>
@@ -870,8 +859,8 @@
         </p:nvSpPr>
         <p:spPr>
           <a:xfrm>
-            <a:off x="1778040" y="2298600"/>
-            <a:ext cx="20827800" cy="4647960"/>
+            <a:off x="1218960" y="547200"/>
+            <a:ext cx="21944880" cy="2289960"/>
           </a:xfrm>
           <a:prstGeom prst="rect">
             <a:avLst/>
@@ -897,8 +886,8 @@
         </p:nvSpPr>
         <p:spPr>
           <a:xfrm>
-            <a:off x="1778040" y="7074000"/>
-            <a:ext cx="10163880" cy="757080"/>
+            <a:off x="1218960" y="3209400"/>
+            <a:ext cx="10708920" cy="3794400"/>
           </a:xfrm>
           <a:prstGeom prst="rect">
             <a:avLst/>
@@ -907,7 +896,6 @@
         <p:txBody>
           <a:bodyPr lIns="0" rIns="0" tIns="0" bIns="0"/>
           <a:p>
-            <a:pPr algn="ctr"/>
             <a:endParaRPr/>
           </a:p>
         </p:txBody>
@@ -924,8 +912,8 @@
         </p:nvSpPr>
         <p:spPr>
           <a:xfrm>
-            <a:off x="1778040" y="7903440"/>
-            <a:ext cx="10163880" cy="757080"/>
+            <a:off x="1218960" y="7364520"/>
+            <a:ext cx="10708920" cy="3794400"/>
           </a:xfrm>
           <a:prstGeom prst="rect">
             <a:avLst/>
@@ -934,7 +922,6 @@
         <p:txBody>
           <a:bodyPr lIns="0" rIns="0" tIns="0" bIns="0"/>
           <a:p>
-            <a:pPr algn="ctr"/>
             <a:endParaRPr/>
           </a:p>
         </p:txBody>
@@ -951,8 +938,8 @@
         </p:nvSpPr>
         <p:spPr>
           <a:xfrm>
-            <a:off x="12450600" y="7074000"/>
-            <a:ext cx="10163880" cy="1587240"/>
+            <a:off x="12463560" y="3209400"/>
+            <a:ext cx="10708920" cy="7954920"/>
           </a:xfrm>
           <a:prstGeom prst="rect">
             <a:avLst/>
@@ -961,7 +948,6 @@
         <p:txBody>
           <a:bodyPr lIns="0" rIns="0" tIns="0" bIns="0"/>
           <a:p>
-            <a:pPr algn="ctr"/>
             <a:endParaRPr/>
           </a:p>
         </p:txBody>
@@ -1000,8 +986,8 @@
         </p:nvSpPr>
         <p:spPr>
           <a:xfrm>
-            <a:off x="1778040" y="2298600"/>
-            <a:ext cx="20827800" cy="4647960"/>
+            <a:off x="1218960" y="547200"/>
+            <a:ext cx="21944880" cy="2289960"/>
           </a:xfrm>
           <a:prstGeom prst="rect">
             <a:avLst/>
@@ -1027,8 +1013,8 @@
         </p:nvSpPr>
         <p:spPr>
           <a:xfrm>
-            <a:off x="1778040" y="7074000"/>
-            <a:ext cx="20827800" cy="1587240"/>
+            <a:off x="1218960" y="3209400"/>
+            <a:ext cx="21944880" cy="7954920"/>
           </a:xfrm>
           <a:prstGeom prst="rect">
             <a:avLst/>
@@ -1076,8 +1062,8 @@
         </p:nvSpPr>
         <p:spPr>
           <a:xfrm>
-            <a:off x="1778040" y="2298600"/>
-            <a:ext cx="20827800" cy="4647960"/>
+            <a:off x="1218960" y="547200"/>
+            <a:ext cx="21944880" cy="2289960"/>
           </a:xfrm>
           <a:prstGeom prst="rect">
             <a:avLst/>
@@ -1103,8 +1089,8 @@
         </p:nvSpPr>
         <p:spPr>
           <a:xfrm>
-            <a:off x="1778040" y="7074000"/>
-            <a:ext cx="10163880" cy="1587240"/>
+            <a:off x="1218960" y="3209400"/>
+            <a:ext cx="10708920" cy="7954920"/>
           </a:xfrm>
           <a:prstGeom prst="rect">
             <a:avLst/>
@@ -1113,7 +1099,6 @@
         <p:txBody>
           <a:bodyPr lIns="0" rIns="0" tIns="0" bIns="0"/>
           <a:p>
-            <a:pPr algn="ctr"/>
             <a:endParaRPr/>
           </a:p>
         </p:txBody>
@@ -1130,8 +1115,8 @@
         </p:nvSpPr>
         <p:spPr>
           <a:xfrm>
-            <a:off x="12450600" y="7074000"/>
-            <a:ext cx="10163880" cy="757080"/>
+            <a:off x="12463560" y="3209400"/>
+            <a:ext cx="10708920" cy="3794400"/>
           </a:xfrm>
           <a:prstGeom prst="rect">
             <a:avLst/>
@@ -1140,7 +1125,6 @@
         <p:txBody>
           <a:bodyPr lIns="0" rIns="0" tIns="0" bIns="0"/>
           <a:p>
-            <a:pPr algn="ctr"/>
             <a:endParaRPr/>
           </a:p>
         </p:txBody>
@@ -1157,8 +1141,8 @@
         </p:nvSpPr>
         <p:spPr>
           <a:xfrm>
-            <a:off x="12450600" y="7903440"/>
-            <a:ext cx="10163880" cy="757080"/>
+            <a:off x="12463560" y="7364520"/>
+            <a:ext cx="10708920" cy="3794400"/>
           </a:xfrm>
           <a:prstGeom prst="rect">
             <a:avLst/>
@@ -1167,7 +1151,6 @@
         <p:txBody>
           <a:bodyPr lIns="0" rIns="0" tIns="0" bIns="0"/>
           <a:p>
-            <a:pPr algn="ctr"/>
             <a:endParaRPr/>
           </a:p>
         </p:txBody>
@@ -1206,8 +1189,8 @@
         </p:nvSpPr>
         <p:spPr>
           <a:xfrm>
-            <a:off x="1778040" y="2298600"/>
-            <a:ext cx="20827800" cy="4647960"/>
+            <a:off x="1218960" y="547200"/>
+            <a:ext cx="21944880" cy="2289960"/>
           </a:xfrm>
           <a:prstGeom prst="rect">
             <a:avLst/>
@@ -1233,8 +1216,8 @@
         </p:nvSpPr>
         <p:spPr>
           <a:xfrm>
-            <a:off x="1778040" y="7074000"/>
-            <a:ext cx="10163880" cy="757080"/>
+            <a:off x="1218960" y="3209400"/>
+            <a:ext cx="10708920" cy="3794400"/>
           </a:xfrm>
           <a:prstGeom prst="rect">
             <a:avLst/>
@@ -1243,7 +1226,6 @@
         <p:txBody>
           <a:bodyPr lIns="0" rIns="0" tIns="0" bIns="0"/>
           <a:p>
-            <a:pPr algn="ctr"/>
             <a:endParaRPr/>
           </a:p>
         </p:txBody>
@@ -1260,8 +1242,8 @@
         </p:nvSpPr>
         <p:spPr>
           <a:xfrm>
-            <a:off x="12450600" y="7074000"/>
-            <a:ext cx="10163880" cy="757080"/>
+            <a:off x="12463560" y="3209400"/>
+            <a:ext cx="10708920" cy="3794400"/>
           </a:xfrm>
           <a:prstGeom prst="rect">
             <a:avLst/>
@@ -1270,7 +1252,6 @@
         <p:txBody>
           <a:bodyPr lIns="0" rIns="0" tIns="0" bIns="0"/>
           <a:p>
-            <a:pPr algn="ctr"/>
             <a:endParaRPr/>
           </a:p>
         </p:txBody>
@@ -1287,8 +1268,8 @@
         </p:nvSpPr>
         <p:spPr>
           <a:xfrm>
-            <a:off x="1778040" y="7903440"/>
-            <a:ext cx="20827800" cy="757080"/>
+            <a:off x="1218960" y="7364520"/>
+            <a:ext cx="21944880" cy="3794400"/>
           </a:xfrm>
           <a:prstGeom prst="rect">
             <a:avLst/>
@@ -1297,7 +1278,6 @@
         <p:txBody>
           <a:bodyPr lIns="0" rIns="0" tIns="0" bIns="0"/>
           <a:p>
-            <a:pPr algn="ctr"/>
             <a:endParaRPr/>
           </a:p>
         </p:txBody>
@@ -1336,8 +1316,8 @@
         </p:nvSpPr>
         <p:spPr>
           <a:xfrm>
-            <a:off x="1778040" y="2298600"/>
-            <a:ext cx="20827800" cy="4647960"/>
+            <a:off x="1218960" y="547200"/>
+            <a:ext cx="21944880" cy="2289960"/>
           </a:xfrm>
           <a:prstGeom prst="rect">
             <a:avLst/>
@@ -1363,8 +1343,8 @@
         </p:nvSpPr>
         <p:spPr>
           <a:xfrm>
-            <a:off x="1778040" y="7074000"/>
-            <a:ext cx="20827800" cy="757080"/>
+            <a:off x="1218960" y="3209400"/>
+            <a:ext cx="21944880" cy="3794400"/>
           </a:xfrm>
           <a:prstGeom prst="rect">
             <a:avLst/>
@@ -1373,7 +1353,6 @@
         <p:txBody>
           <a:bodyPr lIns="0" rIns="0" tIns="0" bIns="0"/>
           <a:p>
-            <a:pPr algn="ctr"/>
             <a:endParaRPr/>
           </a:p>
         </p:txBody>
@@ -1390,8 +1369,8 @@
         </p:nvSpPr>
         <p:spPr>
           <a:xfrm>
-            <a:off x="1778040" y="7903440"/>
-            <a:ext cx="20827800" cy="757080"/>
+            <a:off x="1218960" y="7364520"/>
+            <a:ext cx="21944880" cy="3794400"/>
           </a:xfrm>
           <a:prstGeom prst="rect">
             <a:avLst/>
@@ -1400,7 +1379,6 @@
         <p:txBody>
           <a:bodyPr lIns="0" rIns="0" tIns="0" bIns="0"/>
           <a:p>
-            <a:pPr algn="ctr"/>
             <a:endParaRPr/>
           </a:p>
         </p:txBody>
@@ -1439,8 +1417,8 @@
         </p:nvSpPr>
         <p:spPr>
           <a:xfrm>
-            <a:off x="1778040" y="2298600"/>
-            <a:ext cx="20827800" cy="4647960"/>
+            <a:off x="1218960" y="547200"/>
+            <a:ext cx="21944880" cy="2289960"/>
           </a:xfrm>
           <a:prstGeom prst="rect">
             <a:avLst/>
@@ -1466,8 +1444,8 @@
         </p:nvSpPr>
         <p:spPr>
           <a:xfrm>
-            <a:off x="1778040" y="7074000"/>
-            <a:ext cx="10163880" cy="757080"/>
+            <a:off x="1218960" y="3209400"/>
+            <a:ext cx="10708920" cy="3794400"/>
           </a:xfrm>
           <a:prstGeom prst="rect">
             <a:avLst/>
@@ -1476,7 +1454,6 @@
         <p:txBody>
           <a:bodyPr lIns="0" rIns="0" tIns="0" bIns="0"/>
           <a:p>
-            <a:pPr algn="ctr"/>
             <a:endParaRPr/>
           </a:p>
         </p:txBody>
@@ -1493,8 +1470,8 @@
         </p:nvSpPr>
         <p:spPr>
           <a:xfrm>
-            <a:off x="12450600" y="7074000"/>
-            <a:ext cx="10163880" cy="757080"/>
+            <a:off x="12463560" y="3209400"/>
+            <a:ext cx="10708920" cy="3794400"/>
           </a:xfrm>
           <a:prstGeom prst="rect">
             <a:avLst/>
@@ -1503,7 +1480,6 @@
         <p:txBody>
           <a:bodyPr lIns="0" rIns="0" tIns="0" bIns="0"/>
           <a:p>
-            <a:pPr algn="ctr"/>
             <a:endParaRPr/>
           </a:p>
         </p:txBody>
@@ -1520,8 +1496,8 @@
         </p:nvSpPr>
         <p:spPr>
           <a:xfrm>
-            <a:off x="12450600" y="7903440"/>
-            <a:ext cx="10163880" cy="757080"/>
+            <a:off x="12463560" y="7364520"/>
+            <a:ext cx="10708920" cy="3794400"/>
           </a:xfrm>
           <a:prstGeom prst="rect">
             <a:avLst/>
@@ -1530,7 +1506,6 @@
         <p:txBody>
           <a:bodyPr lIns="0" rIns="0" tIns="0" bIns="0"/>
           <a:p>
-            <a:pPr algn="ctr"/>
             <a:endParaRPr/>
           </a:p>
         </p:txBody>
@@ -1547,8 +1522,8 @@
         </p:nvSpPr>
         <p:spPr>
           <a:xfrm>
-            <a:off x="1778040" y="7903440"/>
-            <a:ext cx="10163880" cy="757080"/>
+            <a:off x="1218960" y="7364520"/>
+            <a:ext cx="10708920" cy="3794400"/>
           </a:xfrm>
           <a:prstGeom prst="rect">
             <a:avLst/>
@@ -1557,7 +1532,6 @@
         <p:txBody>
           <a:bodyPr lIns="0" rIns="0" tIns="0" bIns="0"/>
           <a:p>
-            <a:pPr algn="ctr"/>
             <a:endParaRPr/>
           </a:p>
         </p:txBody>
@@ -1596,8 +1570,8 @@
         </p:nvSpPr>
         <p:spPr>
           <a:xfrm>
-            <a:off x="1778040" y="2298600"/>
-            <a:ext cx="20827800" cy="4647960"/>
+            <a:off x="1218960" y="547200"/>
+            <a:ext cx="21944880" cy="2289960"/>
           </a:xfrm>
           <a:prstGeom prst="rect">
             <a:avLst/>
@@ -1623,8 +1597,8 @@
         </p:nvSpPr>
         <p:spPr>
           <a:xfrm>
-            <a:off x="1778040" y="7074000"/>
-            <a:ext cx="20827800" cy="1587240"/>
+            <a:off x="1218960" y="3209400"/>
+            <a:ext cx="21944880" cy="7954920"/>
           </a:xfrm>
           <a:prstGeom prst="rect">
             <a:avLst/>
@@ -1633,7 +1607,6 @@
         <p:txBody>
           <a:bodyPr lIns="0" rIns="0" tIns="0" bIns="0"/>
           <a:p>
-            <a:pPr algn="ctr"/>
             <a:endParaRPr/>
           </a:p>
         </p:txBody>
@@ -1650,8 +1623,8 @@
         </p:nvSpPr>
         <p:spPr>
           <a:xfrm>
-            <a:off x="1778040" y="7074000"/>
-            <a:ext cx="20827800" cy="1587240"/>
+            <a:off x="1218960" y="3209400"/>
+            <a:ext cx="21944880" cy="7954920"/>
           </a:xfrm>
           <a:prstGeom prst="rect">
             <a:avLst/>
@@ -1660,7 +1633,6 @@
         <p:txBody>
           <a:bodyPr lIns="0" rIns="0" tIns="0" bIns="0"/>
           <a:p>
-            <a:pPr algn="ctr"/>
             <a:endParaRPr/>
           </a:p>
         </p:txBody>
@@ -1677,8 +1649,8 @@
         </p:blipFill>
         <p:spPr>
           <a:xfrm>
-            <a:off x="11197080" y="7073640"/>
-            <a:ext cx="1989360" cy="1587240"/>
+            <a:off x="7206120" y="3209040"/>
+            <a:ext cx="9970200" cy="7954920"/>
           </a:xfrm>
           <a:prstGeom prst="rect">
             <a:avLst/>
@@ -1700,8 +1672,8 @@
         </p:blipFill>
         <p:spPr>
           <a:xfrm>
-            <a:off x="11197080" y="7073640"/>
-            <a:ext cx="1989360" cy="1587240"/>
+            <a:off x="7206120" y="3209040"/>
+            <a:ext cx="9970200" cy="7954920"/>
           </a:xfrm>
           <a:prstGeom prst="rect">
             <a:avLst/>
@@ -1767,8 +1739,8 @@
         </p:nvSpPr>
         <p:spPr>
           <a:xfrm>
-            <a:off x="1778040" y="2298600"/>
-            <a:ext cx="20827800" cy="4647960"/>
+            <a:off x="1218960" y="547200"/>
+            <a:ext cx="21944880" cy="2289960"/>
           </a:xfrm>
           <a:prstGeom prst="rect">
             <a:avLst/>
@@ -1794,8 +1766,8 @@
         </p:nvSpPr>
         <p:spPr>
           <a:xfrm>
-            <a:off x="1778040" y="7074000"/>
-            <a:ext cx="20827800" cy="1587240"/>
+            <a:off x="1218960" y="3209400"/>
+            <a:ext cx="21944880" cy="7954920"/>
           </a:xfrm>
           <a:prstGeom prst="rect">
             <a:avLst/>
@@ -1843,8 +1815,8 @@
         </p:nvSpPr>
         <p:spPr>
           <a:xfrm>
-            <a:off x="1778040" y="2298600"/>
-            <a:ext cx="20827800" cy="4647960"/>
+            <a:off x="1218960" y="547200"/>
+            <a:ext cx="21944880" cy="2289960"/>
           </a:xfrm>
           <a:prstGeom prst="rect">
             <a:avLst/>
@@ -1870,8 +1842,8 @@
         </p:nvSpPr>
         <p:spPr>
           <a:xfrm>
-            <a:off x="1778040" y="7074000"/>
-            <a:ext cx="20827800" cy="1587240"/>
+            <a:off x="1218960" y="3209400"/>
+            <a:ext cx="21944880" cy="7954920"/>
           </a:xfrm>
           <a:prstGeom prst="rect">
             <a:avLst/>
@@ -1880,7 +1852,6 @@
         <p:txBody>
           <a:bodyPr lIns="0" rIns="0" tIns="0" bIns="0"/>
           <a:p>
-            <a:pPr algn="ctr"/>
             <a:endParaRPr/>
           </a:p>
         </p:txBody>
@@ -1919,8 +1890,8 @@
         </p:nvSpPr>
         <p:spPr>
           <a:xfrm>
-            <a:off x="1778040" y="2298600"/>
-            <a:ext cx="20827800" cy="4647960"/>
+            <a:off x="1218960" y="547200"/>
+            <a:ext cx="21944880" cy="2289960"/>
           </a:xfrm>
           <a:prstGeom prst="rect">
             <a:avLst/>
@@ -1946,8 +1917,8 @@
         </p:nvSpPr>
         <p:spPr>
           <a:xfrm>
-            <a:off x="1778040" y="7074000"/>
-            <a:ext cx="10163880" cy="1587240"/>
+            <a:off x="1218960" y="3209400"/>
+            <a:ext cx="10708920" cy="7954920"/>
           </a:xfrm>
           <a:prstGeom prst="rect">
             <a:avLst/>
@@ -1956,7 +1927,6 @@
         <p:txBody>
           <a:bodyPr lIns="0" rIns="0" tIns="0" bIns="0"/>
           <a:p>
-            <a:pPr algn="ctr"/>
             <a:endParaRPr/>
           </a:p>
         </p:txBody>
@@ -1973,8 +1943,8 @@
         </p:nvSpPr>
         <p:spPr>
           <a:xfrm>
-            <a:off x="12450600" y="7074000"/>
-            <a:ext cx="10163880" cy="1587240"/>
+            <a:off x="12463560" y="3209400"/>
+            <a:ext cx="10708920" cy="7954920"/>
           </a:xfrm>
           <a:prstGeom prst="rect">
             <a:avLst/>
@@ -1983,7 +1953,6 @@
         <p:txBody>
           <a:bodyPr lIns="0" rIns="0" tIns="0" bIns="0"/>
           <a:p>
-            <a:pPr algn="ctr"/>
             <a:endParaRPr/>
           </a:p>
         </p:txBody>
@@ -2022,8 +1991,8 @@
         </p:nvSpPr>
         <p:spPr>
           <a:xfrm>
-            <a:off x="1778040" y="2298600"/>
-            <a:ext cx="20827800" cy="4647960"/>
+            <a:off x="1218960" y="547200"/>
+            <a:ext cx="21944880" cy="2289960"/>
           </a:xfrm>
           <a:prstGeom prst="rect">
             <a:avLst/>
@@ -2071,8 +2040,8 @@
         </p:nvSpPr>
         <p:spPr>
           <a:xfrm>
-            <a:off x="1778040" y="2298600"/>
-            <a:ext cx="20827800" cy="4647960"/>
+            <a:off x="1218960" y="547200"/>
+            <a:ext cx="21944880" cy="2289960"/>
           </a:xfrm>
           <a:prstGeom prst="rect">
             <a:avLst/>
@@ -2098,8 +2067,8 @@
         </p:nvSpPr>
         <p:spPr>
           <a:xfrm>
-            <a:off x="1778040" y="7074000"/>
-            <a:ext cx="20827800" cy="1587240"/>
+            <a:off x="1218960" y="3209400"/>
+            <a:ext cx="21944880" cy="7954920"/>
           </a:xfrm>
           <a:prstGeom prst="rect">
             <a:avLst/>
@@ -2108,7 +2077,6 @@
         <p:txBody>
           <a:bodyPr lIns="0" rIns="0" tIns="0" bIns="0"/>
           <a:p>
-            <a:pPr algn="ctr"/>
             <a:endParaRPr/>
           </a:p>
         </p:txBody>
@@ -2147,8 +2115,8 @@
         </p:nvSpPr>
         <p:spPr>
           <a:xfrm>
-            <a:off x="1778040" y="2298600"/>
-            <a:ext cx="20827800" cy="21546360"/>
+            <a:off x="1218960" y="547200"/>
+            <a:ext cx="21944880" cy="10616040"/>
           </a:xfrm>
           <a:prstGeom prst="rect">
             <a:avLst/>
@@ -2196,8 +2164,8 @@
         </p:nvSpPr>
         <p:spPr>
           <a:xfrm>
-            <a:off x="1778040" y="2298600"/>
-            <a:ext cx="20827800" cy="4647960"/>
+            <a:off x="1218960" y="547200"/>
+            <a:ext cx="21944880" cy="2289960"/>
           </a:xfrm>
           <a:prstGeom prst="rect">
             <a:avLst/>
@@ -2223,8 +2191,8 @@
         </p:nvSpPr>
         <p:spPr>
           <a:xfrm>
-            <a:off x="1778040" y="7074000"/>
-            <a:ext cx="10163880" cy="757080"/>
+            <a:off x="1218960" y="3209400"/>
+            <a:ext cx="10708920" cy="3794400"/>
           </a:xfrm>
           <a:prstGeom prst="rect">
             <a:avLst/>
@@ -2233,7 +2201,6 @@
         <p:txBody>
           <a:bodyPr lIns="0" rIns="0" tIns="0" bIns="0"/>
           <a:p>
-            <a:pPr algn="ctr"/>
             <a:endParaRPr/>
           </a:p>
         </p:txBody>
@@ -2250,8 +2217,8 @@
         </p:nvSpPr>
         <p:spPr>
           <a:xfrm>
-            <a:off x="1778040" y="7903440"/>
-            <a:ext cx="10163880" cy="757080"/>
+            <a:off x="1218960" y="7364520"/>
+            <a:ext cx="10708920" cy="3794400"/>
           </a:xfrm>
           <a:prstGeom prst="rect">
             <a:avLst/>
@@ -2260,7 +2227,6 @@
         <p:txBody>
           <a:bodyPr lIns="0" rIns="0" tIns="0" bIns="0"/>
           <a:p>
-            <a:pPr algn="ctr"/>
             <a:endParaRPr/>
           </a:p>
         </p:txBody>
@@ -2277,8 +2243,8 @@
         </p:nvSpPr>
         <p:spPr>
           <a:xfrm>
-            <a:off x="12450600" y="7074000"/>
-            <a:ext cx="10163880" cy="1587240"/>
+            <a:off x="12463560" y="3209400"/>
+            <a:ext cx="10708920" cy="7954920"/>
           </a:xfrm>
           <a:prstGeom prst="rect">
             <a:avLst/>
@@ -2287,7 +2253,6 @@
         <p:txBody>
           <a:bodyPr lIns="0" rIns="0" tIns="0" bIns="0"/>
           <a:p>
-            <a:pPr algn="ctr"/>
             <a:endParaRPr/>
           </a:p>
         </p:txBody>
@@ -2326,8 +2291,8 @@
         </p:nvSpPr>
         <p:spPr>
           <a:xfrm>
-            <a:off x="1778040" y="2298600"/>
-            <a:ext cx="20827800" cy="4647960"/>
+            <a:off x="1218960" y="547200"/>
+            <a:ext cx="21944880" cy="2289960"/>
           </a:xfrm>
           <a:prstGeom prst="rect">
             <a:avLst/>
@@ -2353,8 +2318,8 @@
         </p:nvSpPr>
         <p:spPr>
           <a:xfrm>
-            <a:off x="1778040" y="7074000"/>
-            <a:ext cx="10163880" cy="1587240"/>
+            <a:off x="1218960" y="3209400"/>
+            <a:ext cx="10708920" cy="7954920"/>
           </a:xfrm>
           <a:prstGeom prst="rect">
             <a:avLst/>
@@ -2363,7 +2328,6 @@
         <p:txBody>
           <a:bodyPr lIns="0" rIns="0" tIns="0" bIns="0"/>
           <a:p>
-            <a:pPr algn="ctr"/>
             <a:endParaRPr/>
           </a:p>
         </p:txBody>
@@ -2380,8 +2344,8 @@
         </p:nvSpPr>
         <p:spPr>
           <a:xfrm>
-            <a:off x="12450600" y="7074000"/>
-            <a:ext cx="10163880" cy="757080"/>
+            <a:off x="12463560" y="3209400"/>
+            <a:ext cx="10708920" cy="3794400"/>
           </a:xfrm>
           <a:prstGeom prst="rect">
             <a:avLst/>
@@ -2390,7 +2354,6 @@
         <p:txBody>
           <a:bodyPr lIns="0" rIns="0" tIns="0" bIns="0"/>
           <a:p>
-            <a:pPr algn="ctr"/>
             <a:endParaRPr/>
           </a:p>
         </p:txBody>
@@ -2407,8 +2370,8 @@
         </p:nvSpPr>
         <p:spPr>
           <a:xfrm>
-            <a:off x="12450600" y="7903440"/>
-            <a:ext cx="10163880" cy="757080"/>
+            <a:off x="12463560" y="7364520"/>
+            <a:ext cx="10708920" cy="3794400"/>
           </a:xfrm>
           <a:prstGeom prst="rect">
             <a:avLst/>
@@ -2417,7 +2380,6 @@
         <p:txBody>
           <a:bodyPr lIns="0" rIns="0" tIns="0" bIns="0"/>
           <a:p>
-            <a:pPr algn="ctr"/>
             <a:endParaRPr/>
           </a:p>
         </p:txBody>
@@ -2456,8 +2418,8 @@
         </p:nvSpPr>
         <p:spPr>
           <a:xfrm>
-            <a:off x="1778040" y="2298600"/>
-            <a:ext cx="20827800" cy="4647960"/>
+            <a:off x="1218960" y="547200"/>
+            <a:ext cx="21944880" cy="2289960"/>
           </a:xfrm>
           <a:prstGeom prst="rect">
             <a:avLst/>
@@ -2483,8 +2445,8 @@
         </p:nvSpPr>
         <p:spPr>
           <a:xfrm>
-            <a:off x="1778040" y="7074000"/>
-            <a:ext cx="10163880" cy="757080"/>
+            <a:off x="1218960" y="3209400"/>
+            <a:ext cx="10708920" cy="3794400"/>
           </a:xfrm>
           <a:prstGeom prst="rect">
             <a:avLst/>
@@ -2493,7 +2455,6 @@
         <p:txBody>
           <a:bodyPr lIns="0" rIns="0" tIns="0" bIns="0"/>
           <a:p>
-            <a:pPr algn="ctr"/>
             <a:endParaRPr/>
           </a:p>
         </p:txBody>
@@ -2510,8 +2471,8 @@
         </p:nvSpPr>
         <p:spPr>
           <a:xfrm>
-            <a:off x="12450600" y="7074000"/>
-            <a:ext cx="10163880" cy="757080"/>
+            <a:off x="12463560" y="3209400"/>
+            <a:ext cx="10708920" cy="3794400"/>
           </a:xfrm>
           <a:prstGeom prst="rect">
             <a:avLst/>
@@ -2520,7 +2481,6 @@
         <p:txBody>
           <a:bodyPr lIns="0" rIns="0" tIns="0" bIns="0"/>
           <a:p>
-            <a:pPr algn="ctr"/>
             <a:endParaRPr/>
           </a:p>
         </p:txBody>
@@ -2537,8 +2497,8 @@
         </p:nvSpPr>
         <p:spPr>
           <a:xfrm>
-            <a:off x="1778040" y="7903440"/>
-            <a:ext cx="20827800" cy="757080"/>
+            <a:off x="1218960" y="7364520"/>
+            <a:ext cx="21944880" cy="3794400"/>
           </a:xfrm>
           <a:prstGeom prst="rect">
             <a:avLst/>
@@ -2547,7 +2507,6 @@
         <p:txBody>
           <a:bodyPr lIns="0" rIns="0" tIns="0" bIns="0"/>
           <a:p>
-            <a:pPr algn="ctr"/>
             <a:endParaRPr/>
           </a:p>
         </p:txBody>
@@ -2586,8 +2545,8 @@
         </p:nvSpPr>
         <p:spPr>
           <a:xfrm>
-            <a:off x="1778040" y="2298600"/>
-            <a:ext cx="20827800" cy="4647960"/>
+            <a:off x="1218960" y="547200"/>
+            <a:ext cx="21944880" cy="2289960"/>
           </a:xfrm>
           <a:prstGeom prst="rect">
             <a:avLst/>
@@ -2613,8 +2572,8 @@
         </p:nvSpPr>
         <p:spPr>
           <a:xfrm>
-            <a:off x="1778040" y="7074000"/>
-            <a:ext cx="20827800" cy="757080"/>
+            <a:off x="1218960" y="3209400"/>
+            <a:ext cx="21944880" cy="3794400"/>
           </a:xfrm>
           <a:prstGeom prst="rect">
             <a:avLst/>
@@ -2623,7 +2582,6 @@
         <p:txBody>
           <a:bodyPr lIns="0" rIns="0" tIns="0" bIns="0"/>
           <a:p>
-            <a:pPr algn="ctr"/>
             <a:endParaRPr/>
           </a:p>
         </p:txBody>
@@ -2640,8 +2598,8 @@
         </p:nvSpPr>
         <p:spPr>
           <a:xfrm>
-            <a:off x="1778040" y="7903440"/>
-            <a:ext cx="20827800" cy="757080"/>
+            <a:off x="1218960" y="7364520"/>
+            <a:ext cx="21944880" cy="3794400"/>
           </a:xfrm>
           <a:prstGeom prst="rect">
             <a:avLst/>
@@ -2650,7 +2608,6 @@
         <p:txBody>
           <a:bodyPr lIns="0" rIns="0" tIns="0" bIns="0"/>
           <a:p>
-            <a:pPr algn="ctr"/>
             <a:endParaRPr/>
           </a:p>
         </p:txBody>
@@ -2689,8 +2646,8 @@
         </p:nvSpPr>
         <p:spPr>
           <a:xfrm>
-            <a:off x="1778040" y="2298600"/>
-            <a:ext cx="20827800" cy="4647960"/>
+            <a:off x="1218960" y="547200"/>
+            <a:ext cx="21944880" cy="2289960"/>
           </a:xfrm>
           <a:prstGeom prst="rect">
             <a:avLst/>
@@ -2716,8 +2673,8 @@
         </p:nvSpPr>
         <p:spPr>
           <a:xfrm>
-            <a:off x="1778040" y="7074000"/>
-            <a:ext cx="10163880" cy="757080"/>
+            <a:off x="1218960" y="3209400"/>
+            <a:ext cx="10708920" cy="3794400"/>
           </a:xfrm>
           <a:prstGeom prst="rect">
             <a:avLst/>
@@ -2726,7 +2683,6 @@
         <p:txBody>
           <a:bodyPr lIns="0" rIns="0" tIns="0" bIns="0"/>
           <a:p>
-            <a:pPr algn="ctr"/>
             <a:endParaRPr/>
           </a:p>
         </p:txBody>
@@ -2743,8 +2699,8 @@
         </p:nvSpPr>
         <p:spPr>
           <a:xfrm>
-            <a:off x="12450600" y="7074000"/>
-            <a:ext cx="10163880" cy="757080"/>
+            <a:off x="12463560" y="3209400"/>
+            <a:ext cx="10708920" cy="3794400"/>
           </a:xfrm>
           <a:prstGeom prst="rect">
             <a:avLst/>
@@ -2753,7 +2709,6 @@
         <p:txBody>
           <a:bodyPr lIns="0" rIns="0" tIns="0" bIns="0"/>
           <a:p>
-            <a:pPr algn="ctr"/>
             <a:endParaRPr/>
           </a:p>
         </p:txBody>
@@ -2770,8 +2725,8 @@
         </p:nvSpPr>
         <p:spPr>
           <a:xfrm>
-            <a:off x="12450600" y="7903440"/>
-            <a:ext cx="10163880" cy="757080"/>
+            <a:off x="12463560" y="7364520"/>
+            <a:ext cx="10708920" cy="3794400"/>
           </a:xfrm>
           <a:prstGeom prst="rect">
             <a:avLst/>
@@ -2780,7 +2735,6 @@
         <p:txBody>
           <a:bodyPr lIns="0" rIns="0" tIns="0" bIns="0"/>
           <a:p>
-            <a:pPr algn="ctr"/>
             <a:endParaRPr/>
           </a:p>
         </p:txBody>
@@ -2797,8 +2751,8 @@
         </p:nvSpPr>
         <p:spPr>
           <a:xfrm>
-            <a:off x="1778040" y="7903440"/>
-            <a:ext cx="10163880" cy="757080"/>
+            <a:off x="1218960" y="7364520"/>
+            <a:ext cx="10708920" cy="3794400"/>
           </a:xfrm>
           <a:prstGeom prst="rect">
             <a:avLst/>
@@ -2807,7 +2761,6 @@
         <p:txBody>
           <a:bodyPr lIns="0" rIns="0" tIns="0" bIns="0"/>
           <a:p>
-            <a:pPr algn="ctr"/>
             <a:endParaRPr/>
           </a:p>
         </p:txBody>
@@ -2846,8 +2799,8 @@
         </p:nvSpPr>
         <p:spPr>
           <a:xfrm>
-            <a:off x="1778040" y="2298600"/>
-            <a:ext cx="20827800" cy="4647960"/>
+            <a:off x="1218960" y="547200"/>
+            <a:ext cx="21944880" cy="2289960"/>
           </a:xfrm>
           <a:prstGeom prst="rect">
             <a:avLst/>
@@ -2873,8 +2826,8 @@
         </p:nvSpPr>
         <p:spPr>
           <a:xfrm>
-            <a:off x="1778040" y="7074000"/>
-            <a:ext cx="20827800" cy="1587240"/>
+            <a:off x="1218960" y="3209400"/>
+            <a:ext cx="21944880" cy="7954920"/>
           </a:xfrm>
           <a:prstGeom prst="rect">
             <a:avLst/>
@@ -2883,7 +2836,6 @@
         <p:txBody>
           <a:bodyPr lIns="0" rIns="0" tIns="0" bIns="0"/>
           <a:p>
-            <a:pPr algn="ctr"/>
             <a:endParaRPr/>
           </a:p>
         </p:txBody>
@@ -2900,8 +2852,8 @@
         </p:nvSpPr>
         <p:spPr>
           <a:xfrm>
-            <a:off x="1778040" y="7074000"/>
-            <a:ext cx="20827800" cy="1587240"/>
+            <a:off x="1218960" y="3209400"/>
+            <a:ext cx="21944880" cy="7954920"/>
           </a:xfrm>
           <a:prstGeom prst="rect">
             <a:avLst/>
@@ -2910,7 +2862,6 @@
         <p:txBody>
           <a:bodyPr lIns="0" rIns="0" tIns="0" bIns="0"/>
           <a:p>
-            <a:pPr algn="ctr"/>
             <a:endParaRPr/>
           </a:p>
         </p:txBody>
@@ -2927,8 +2878,8 @@
         </p:blipFill>
         <p:spPr>
           <a:xfrm>
-            <a:off x="11197080" y="7073640"/>
-            <a:ext cx="1989360" cy="1587240"/>
+            <a:off x="7206120" y="3209040"/>
+            <a:ext cx="9970200" cy="7954920"/>
           </a:xfrm>
           <a:prstGeom prst="rect">
             <a:avLst/>
@@ -2950,8 +2901,8 @@
         </p:blipFill>
         <p:spPr>
           <a:xfrm>
-            <a:off x="11197080" y="7073640"/>
-            <a:ext cx="1989360" cy="1587240"/>
+            <a:off x="7206120" y="3209040"/>
+            <a:ext cx="9970200" cy="7954920"/>
           </a:xfrm>
           <a:prstGeom prst="rect">
             <a:avLst/>
@@ -2995,8 +2946,8 @@
         </p:nvSpPr>
         <p:spPr>
           <a:xfrm>
-            <a:off x="1778040" y="2298600"/>
-            <a:ext cx="20827800" cy="4647960"/>
+            <a:off x="1218960" y="547200"/>
+            <a:ext cx="21944880" cy="2289960"/>
           </a:xfrm>
           <a:prstGeom prst="rect">
             <a:avLst/>
@@ -3022,8 +2973,8 @@
         </p:nvSpPr>
         <p:spPr>
           <a:xfrm>
-            <a:off x="1778040" y="7074000"/>
-            <a:ext cx="10163880" cy="1587240"/>
+            <a:off x="1218960" y="3209400"/>
+            <a:ext cx="10708920" cy="7954920"/>
           </a:xfrm>
           <a:prstGeom prst="rect">
             <a:avLst/>
@@ -3032,7 +2983,6 @@
         <p:txBody>
           <a:bodyPr lIns="0" rIns="0" tIns="0" bIns="0"/>
           <a:p>
-            <a:pPr algn="ctr"/>
             <a:endParaRPr/>
           </a:p>
         </p:txBody>
@@ -3049,8 +2999,8 @@
         </p:nvSpPr>
         <p:spPr>
           <a:xfrm>
-            <a:off x="12450600" y="7074000"/>
-            <a:ext cx="10163880" cy="1587240"/>
+            <a:off x="12463560" y="3209400"/>
+            <a:ext cx="10708920" cy="7954920"/>
           </a:xfrm>
           <a:prstGeom prst="rect">
             <a:avLst/>
@@ -3059,7 +3009,6 @@
         <p:txBody>
           <a:bodyPr lIns="0" rIns="0" tIns="0" bIns="0"/>
           <a:p>
-            <a:pPr algn="ctr"/>
             <a:endParaRPr/>
           </a:p>
         </p:txBody>
@@ -3098,8 +3047,8 @@
         </p:nvSpPr>
         <p:spPr>
           <a:xfrm>
-            <a:off x="1778040" y="2298600"/>
-            <a:ext cx="20827800" cy="4647960"/>
+            <a:off x="1218960" y="547200"/>
+            <a:ext cx="21944880" cy="2289960"/>
           </a:xfrm>
           <a:prstGeom prst="rect">
             <a:avLst/>
@@ -3147,8 +3096,8 @@
         </p:nvSpPr>
         <p:spPr>
           <a:xfrm>
-            <a:off x="1778040" y="2298600"/>
-            <a:ext cx="20827800" cy="21546360"/>
+            <a:off x="1218960" y="547200"/>
+            <a:ext cx="21944880" cy="10616040"/>
           </a:xfrm>
           <a:prstGeom prst="rect">
             <a:avLst/>
@@ -3196,8 +3145,8 @@
         </p:nvSpPr>
         <p:spPr>
           <a:xfrm>
-            <a:off x="1778040" y="2298600"/>
-            <a:ext cx="20827800" cy="4647960"/>
+            <a:off x="1218960" y="547200"/>
+            <a:ext cx="21944880" cy="2289960"/>
           </a:xfrm>
           <a:prstGeom prst="rect">
             <a:avLst/>
@@ -3223,8 +3172,8 @@
         </p:nvSpPr>
         <p:spPr>
           <a:xfrm>
-            <a:off x="1778040" y="7074000"/>
-            <a:ext cx="10163880" cy="757080"/>
+            <a:off x="1218960" y="3209400"/>
+            <a:ext cx="10708920" cy="3794400"/>
           </a:xfrm>
           <a:prstGeom prst="rect">
             <a:avLst/>
@@ -3233,7 +3182,6 @@
         <p:txBody>
           <a:bodyPr lIns="0" rIns="0" tIns="0" bIns="0"/>
           <a:p>
-            <a:pPr algn="ctr"/>
             <a:endParaRPr/>
           </a:p>
         </p:txBody>
@@ -3250,8 +3198,8 @@
         </p:nvSpPr>
         <p:spPr>
           <a:xfrm>
-            <a:off x="1778040" y="7903440"/>
-            <a:ext cx="10163880" cy="757080"/>
+            <a:off x="1218960" y="7364520"/>
+            <a:ext cx="10708920" cy="3794400"/>
           </a:xfrm>
           <a:prstGeom prst="rect">
             <a:avLst/>
@@ -3260,7 +3208,6 @@
         <p:txBody>
           <a:bodyPr lIns="0" rIns="0" tIns="0" bIns="0"/>
           <a:p>
-            <a:pPr algn="ctr"/>
             <a:endParaRPr/>
           </a:p>
         </p:txBody>
@@ -3277,8 +3224,8 @@
         </p:nvSpPr>
         <p:spPr>
           <a:xfrm>
-            <a:off x="12450600" y="7074000"/>
-            <a:ext cx="10163880" cy="1587240"/>
+            <a:off x="12463560" y="3209400"/>
+            <a:ext cx="10708920" cy="7954920"/>
           </a:xfrm>
           <a:prstGeom prst="rect">
             <a:avLst/>
@@ -3287,7 +3234,6 @@
         <p:txBody>
           <a:bodyPr lIns="0" rIns="0" tIns="0" bIns="0"/>
           <a:p>
-            <a:pPr algn="ctr"/>
             <a:endParaRPr/>
           </a:p>
         </p:txBody>
@@ -3326,8 +3272,8 @@
         </p:nvSpPr>
         <p:spPr>
           <a:xfrm>
-            <a:off x="1778040" y="2298600"/>
-            <a:ext cx="20827800" cy="4647960"/>
+            <a:off x="1218960" y="547200"/>
+            <a:ext cx="21944880" cy="2289960"/>
           </a:xfrm>
           <a:prstGeom prst="rect">
             <a:avLst/>
@@ -3353,8 +3299,8 @@
         </p:nvSpPr>
         <p:spPr>
           <a:xfrm>
-            <a:off x="1778040" y="7074000"/>
-            <a:ext cx="10163880" cy="1587240"/>
+            <a:off x="1218960" y="3209400"/>
+            <a:ext cx="10708920" cy="7954920"/>
           </a:xfrm>
           <a:prstGeom prst="rect">
             <a:avLst/>
@@ -3363,7 +3309,6 @@
         <p:txBody>
           <a:bodyPr lIns="0" rIns="0" tIns="0" bIns="0"/>
           <a:p>
-            <a:pPr algn="ctr"/>
             <a:endParaRPr/>
           </a:p>
         </p:txBody>
@@ -3380,8 +3325,8 @@
         </p:nvSpPr>
         <p:spPr>
           <a:xfrm>
-            <a:off x="12450600" y="7074000"/>
-            <a:ext cx="10163880" cy="757080"/>
+            <a:off x="12463560" y="3209400"/>
+            <a:ext cx="10708920" cy="3794400"/>
           </a:xfrm>
           <a:prstGeom prst="rect">
             <a:avLst/>
@@ -3390,7 +3335,6 @@
         <p:txBody>
           <a:bodyPr lIns="0" rIns="0" tIns="0" bIns="0"/>
           <a:p>
-            <a:pPr algn="ctr"/>
             <a:endParaRPr/>
           </a:p>
         </p:txBody>
@@ -3407,8 +3351,8 @@
         </p:nvSpPr>
         <p:spPr>
           <a:xfrm>
-            <a:off x="12450600" y="7903440"/>
-            <a:ext cx="10163880" cy="757080"/>
+            <a:off x="12463560" y="7364520"/>
+            <a:ext cx="10708920" cy="3794400"/>
           </a:xfrm>
           <a:prstGeom prst="rect">
             <a:avLst/>
@@ -3417,7 +3361,6 @@
         <p:txBody>
           <a:bodyPr lIns="0" rIns="0" tIns="0" bIns="0"/>
           <a:p>
-            <a:pPr algn="ctr"/>
             <a:endParaRPr/>
           </a:p>
         </p:txBody>
@@ -3456,8 +3399,8 @@
         </p:nvSpPr>
         <p:spPr>
           <a:xfrm>
-            <a:off x="1778040" y="2298600"/>
-            <a:ext cx="20827800" cy="4647960"/>
+            <a:off x="1218960" y="547200"/>
+            <a:ext cx="21944880" cy="2289960"/>
           </a:xfrm>
           <a:prstGeom prst="rect">
             <a:avLst/>
@@ -3483,8 +3426,8 @@
         </p:nvSpPr>
         <p:spPr>
           <a:xfrm>
-            <a:off x="1778040" y="7074000"/>
-            <a:ext cx="10163880" cy="757080"/>
+            <a:off x="1218960" y="3209400"/>
+            <a:ext cx="10708920" cy="3794400"/>
           </a:xfrm>
           <a:prstGeom prst="rect">
             <a:avLst/>
@@ -3493,7 +3436,6 @@
         <p:txBody>
           <a:bodyPr lIns="0" rIns="0" tIns="0" bIns="0"/>
           <a:p>
-            <a:pPr algn="ctr"/>
             <a:endParaRPr/>
           </a:p>
         </p:txBody>
@@ -3510,8 +3452,8 @@
         </p:nvSpPr>
         <p:spPr>
           <a:xfrm>
-            <a:off x="12450600" y="7074000"/>
-            <a:ext cx="10163880" cy="757080"/>
+            <a:off x="12463560" y="3209400"/>
+            <a:ext cx="10708920" cy="3794400"/>
           </a:xfrm>
           <a:prstGeom prst="rect">
             <a:avLst/>
@@ -3520,7 +3462,6 @@
         <p:txBody>
           <a:bodyPr lIns="0" rIns="0" tIns="0" bIns="0"/>
           <a:p>
-            <a:pPr algn="ctr"/>
             <a:endParaRPr/>
           </a:p>
         </p:txBody>
@@ -3537,8 +3478,8 @@
         </p:nvSpPr>
         <p:spPr>
           <a:xfrm>
-            <a:off x="1778040" y="7903440"/>
-            <a:ext cx="20827800" cy="757080"/>
+            <a:off x="1218960" y="7364520"/>
+            <a:ext cx="21944880" cy="3794400"/>
           </a:xfrm>
           <a:prstGeom prst="rect">
             <a:avLst/>
@@ -3547,7 +3488,6 @@
         <p:txBody>
           <a:bodyPr lIns="0" rIns="0" tIns="0" bIns="0"/>
           <a:p>
-            <a:pPr algn="ctr"/>
             <a:endParaRPr/>
           </a:p>
         </p:txBody>
@@ -3593,30 +3533,22 @@
         </p:nvSpPr>
         <p:spPr>
           <a:xfrm>
-            <a:off x="1778040" y="2298600"/>
-            <a:ext cx="20827800" cy="4647960"/>
-          </a:xfrm>
-          <a:prstGeom prst="rect">
-            <a:avLst/>
-          </a:prstGeom>
-        </p:spPr>
-        <p:txBody>
-          <a:bodyPr lIns="0" rIns="0" tIns="0" bIns="0" anchor="b"/>
-          <a:p>
-            <a:pPr algn="ctr">
-              <a:lnSpc>
-                <a:spcPct val="100000"/>
-              </a:lnSpc>
-            </a:pPr>
+            <a:off x="1218960" y="547200"/>
+            <a:ext cx="21944880" cy="2289960"/>
+          </a:xfrm>
+          <a:prstGeom prst="rect">
+            <a:avLst/>
+          </a:prstGeom>
+        </p:spPr>
+        <p:txBody>
+          <a:bodyPr lIns="0" rIns="0" tIns="0" bIns="0" anchor="ctr"/>
+          <a:p>
+            <a:pPr algn="ctr"/>
             <a:r>
-              <a:rPr b="1" lang="pt-BR" sz="11200" strike="noStrike">
-                <a:solidFill>
-                  <a:srgbClr val="ffffff"/>
-                </a:solidFill>
-                <a:latin typeface="Open Sans"/>
-                <a:ea typeface="Open Sans"/>
+              <a:rPr lang="pt-BR" sz="4400">
+                <a:latin typeface="Arial"/>
               </a:rPr>
-              <a:t>Click to edit the title text formatTitle Text</a:t>
+              <a:t>Click to edit the title text format</a:t>
             </a:r>
             <a:endParaRPr/>
           </a:p>
@@ -3634,8 +3566,8 @@
         </p:nvSpPr>
         <p:spPr>
           <a:xfrm>
-            <a:off x="1778040" y="7074000"/>
-            <a:ext cx="20827800" cy="1587240"/>
+            <a:off x="1218960" y="3209400"/>
+            <a:ext cx="21944880" cy="7954920"/>
           </a:xfrm>
           <a:prstGeom prst="rect">
             <a:avLst/>
@@ -3650,12 +3582,8 @@
               <a:buChar char=""/>
             </a:pPr>
             <a:r>
-              <a:rPr lang="pt-BR" sz="4400" strike="noStrike">
-                <a:solidFill>
-                  <a:srgbClr val="ffffff"/>
-                </a:solidFill>
-                <a:latin typeface="Open Sans"/>
-                <a:ea typeface="Open Sans"/>
+              <a:rPr lang="pt-BR" sz="3200">
+                <a:latin typeface="Arial"/>
               </a:rPr>
               <a:t>Click to edit the outline text format</a:t>
             </a:r>
@@ -3668,12 +3596,8 @@
               <a:buChar char=""/>
             </a:pPr>
             <a:r>
-              <a:rPr lang="pt-BR" sz="4400" strike="noStrike">
-                <a:solidFill>
-                  <a:srgbClr val="ffffff"/>
-                </a:solidFill>
-                <a:latin typeface="Open Sans"/>
-                <a:ea typeface="Open Sans"/>
+              <a:rPr lang="pt-BR" sz="2800">
+                <a:latin typeface="Arial"/>
               </a:rPr>
               <a:t>Second Outline Level</a:t>
             </a:r>
@@ -3686,12 +3610,8 @@
               <a:buChar char=""/>
             </a:pPr>
             <a:r>
-              <a:rPr lang="pt-BR" sz="4400" strike="noStrike">
-                <a:solidFill>
-                  <a:srgbClr val="ffffff"/>
-                </a:solidFill>
-                <a:latin typeface="Open Sans"/>
-                <a:ea typeface="Open Sans"/>
+              <a:rPr lang="pt-BR" sz="2400">
+                <a:latin typeface="Arial"/>
               </a:rPr>
               <a:t>Third Outline Level</a:t>
             </a:r>
@@ -3704,12 +3624,8 @@
               <a:buChar char=""/>
             </a:pPr>
             <a:r>
-              <a:rPr lang="pt-BR" sz="4400" strike="noStrike">
-                <a:solidFill>
-                  <a:srgbClr val="ffffff"/>
-                </a:solidFill>
-                <a:latin typeface="Open Sans"/>
-                <a:ea typeface="Open Sans"/>
+              <a:rPr lang="pt-BR" sz="2000">
+                <a:latin typeface="Arial"/>
               </a:rPr>
               <a:t>Fourth Outline Level</a:t>
             </a:r>
@@ -3722,12 +3638,8 @@
               <a:buChar char=""/>
             </a:pPr>
             <a:r>
-              <a:rPr lang="pt-BR" sz="4400" strike="noStrike">
-                <a:solidFill>
-                  <a:srgbClr val="ffffff"/>
-                </a:solidFill>
-                <a:latin typeface="Open Sans"/>
-                <a:ea typeface="Open Sans"/>
+              <a:rPr lang="pt-BR" sz="2000">
+                <a:latin typeface="Arial"/>
               </a:rPr>
               <a:t>Fifth Outline Level</a:t>
             </a:r>
@@ -3740,88 +3652,24 @@
               <a:buChar char=""/>
             </a:pPr>
             <a:r>
-              <a:rPr lang="pt-BR" sz="4400" strike="noStrike">
-                <a:solidFill>
-                  <a:srgbClr val="ffffff"/>
-                </a:solidFill>
-                <a:latin typeface="Open Sans"/>
-                <a:ea typeface="Open Sans"/>
+              <a:rPr lang="pt-BR" sz="2000">
+                <a:latin typeface="Arial"/>
               </a:rPr>
               <a:t>Sixth Outline Level</a:t>
             </a:r>
             <a:endParaRPr/>
           </a:p>
           <a:p>
-            <a:pPr algn="ctr">
-              <a:lnSpc>
-                <a:spcPct val="100000"/>
-              </a:lnSpc>
+            <a:pPr lvl="6">
+              <a:buSzPct val="45000"/>
+              <a:buFont typeface="StarSymbol"/>
+              <a:buChar char=""/>
             </a:pPr>
             <a:r>
-              <a:rPr lang="pt-BR" sz="4400" strike="noStrike">
-                <a:solidFill>
-                  <a:srgbClr val="ffffff"/>
-                </a:solidFill>
-                <a:latin typeface="Open Sans"/>
-                <a:ea typeface="Open Sans"/>
+              <a:rPr lang="pt-BR" sz="2000">
+                <a:latin typeface="Arial"/>
               </a:rPr>
-              <a:t>Seventh Outline LevelBody Level One</a:t>
-            </a:r>
-            <a:endParaRPr/>
-          </a:p>
-          <a:p>
-            <a:pPr algn="ctr"/>
-            <a:r>
-              <a:rPr lang="pt-BR" sz="4400" strike="noStrike">
-                <a:solidFill>
-                  <a:srgbClr val="ffffff"/>
-                </a:solidFill>
-                <a:latin typeface="Open Sans"/>
-                <a:ea typeface="Open Sans"/>
-              </a:rPr>
-              <a:t>Body Level Two</a:t>
-            </a:r>
-            <a:endParaRPr/>
-          </a:p>
-          <a:p>
-            <a:pPr algn="ctr"/>
-            <a:r>
-              <a:rPr lang="pt-BR" sz="4400" strike="noStrike">
-                <a:solidFill>
-                  <a:srgbClr val="ffffff"/>
-                </a:solidFill>
-                <a:latin typeface="Open Sans"/>
-                <a:ea typeface="Open Sans"/>
-              </a:rPr>
-              <a:t>Body Level Three</a:t>
-            </a:r>
-            <a:endParaRPr/>
-          </a:p>
-          <a:p>
-            <a:pPr algn="ctr"/>
-            <a:r>
-              <a:rPr lang="pt-BR" sz="4400" strike="noStrike">
-                <a:solidFill>
-                  <a:srgbClr val="ffffff"/>
-                </a:solidFill>
-                <a:latin typeface="Open Sans"/>
-                <a:ea typeface="Open Sans"/>
-              </a:rPr>
-              <a:t>Body Level Four</a:t>
-            </a:r>
-            <a:endParaRPr/>
-          </a:p>
-          <a:p>
-            <a:pPr algn="ctr"/>
-            <a:r>
-              <a:rPr lang="pt-BR" sz="4400" strike="noStrike">
-                <a:solidFill>
-                  <a:srgbClr val="ffffff"/>
-                </a:solidFill>
-                <a:latin typeface="Open Sans"/>
-                <a:ea typeface="Open Sans"/>
-              </a:rPr>
-              <a:t>Body Level Five</a:t>
+              <a:t>Seventh Outline Level</a:t>
             </a:r>
             <a:endParaRPr/>
           </a:p>
@@ -3883,8 +3731,8 @@
         </p:nvSpPr>
         <p:spPr>
           <a:xfrm>
-            <a:off x="1689120" y="952560"/>
-            <a:ext cx="21005280" cy="2285640"/>
+            <a:off x="1218960" y="547200"/>
+            <a:ext cx="21944880" cy="2289960"/>
           </a:xfrm>
           <a:prstGeom prst="rect">
             <a:avLst/>
@@ -3893,20 +3741,12 @@
         <p:txBody>
           <a:bodyPr lIns="0" rIns="0" tIns="0" bIns="0" anchor="ctr"/>
           <a:p>
-            <a:pPr algn="ctr">
-              <a:lnSpc>
-                <a:spcPct val="100000"/>
-              </a:lnSpc>
-            </a:pPr>
+            <a:pPr algn="ctr"/>
             <a:r>
-              <a:rPr b="1" lang="pt-BR" sz="11200" strike="noStrike">
-                <a:solidFill>
-                  <a:srgbClr val="ffffff"/>
-                </a:solidFill>
-                <a:latin typeface="Open Sans"/>
-                <a:ea typeface="Open Sans"/>
+              <a:rPr lang="pt-BR" sz="4400">
+                <a:latin typeface="Arial"/>
               </a:rPr>
-              <a:t>Click to edit the title text formatTitle Text</a:t>
+              <a:t>Click to edit the title text format</a:t>
             </a:r>
             <a:endParaRPr/>
           </a:p>
@@ -3934,98 +3774,98 @@
         <p:txBody>
           <a:bodyPr lIns="0" rIns="0" tIns="0" bIns="0"/>
           <a:p>
-            <a:pPr algn="ctr">
+            <a:pPr>
               <a:buSzPct val="45000"/>
               <a:buFont typeface="StarSymbol"/>
               <a:buChar char=""/>
             </a:pPr>
             <a:r>
-              <a:rPr lang="pt-BR" sz="5200">
-                <a:latin typeface="Helvetica Light"/>
+              <a:rPr lang="pt-BR" sz="3200">
+                <a:latin typeface="Arial"/>
               </a:rPr>
               <a:t>Click to edit the outline text format</a:t>
             </a:r>
             <a:endParaRPr/>
           </a:p>
           <a:p>
-            <a:pPr lvl="1" algn="ctr">
+            <a:pPr lvl="1">
               <a:buSzPct val="75000"/>
               <a:buFont typeface="StarSymbol"/>
               <a:buChar char=""/>
             </a:pPr>
             <a:r>
-              <a:rPr lang="pt-BR" sz="5200">
-                <a:latin typeface="Helvetica Light"/>
+              <a:rPr lang="pt-BR" sz="2800">
+                <a:latin typeface="Arial"/>
               </a:rPr>
               <a:t>Second Outline Level</a:t>
             </a:r>
             <a:endParaRPr/>
           </a:p>
           <a:p>
-            <a:pPr lvl="2" algn="ctr">
+            <a:pPr lvl="2">
               <a:buSzPct val="45000"/>
               <a:buFont typeface="StarSymbol"/>
               <a:buChar char=""/>
             </a:pPr>
             <a:r>
-              <a:rPr lang="pt-BR" sz="5200">
-                <a:latin typeface="Helvetica Light"/>
+              <a:rPr lang="pt-BR" sz="2400">
+                <a:latin typeface="Arial"/>
               </a:rPr>
               <a:t>Third Outline Level</a:t>
             </a:r>
             <a:endParaRPr/>
           </a:p>
           <a:p>
-            <a:pPr lvl="3" algn="ctr">
+            <a:pPr lvl="3">
               <a:buSzPct val="75000"/>
               <a:buFont typeface="StarSymbol"/>
               <a:buChar char=""/>
             </a:pPr>
             <a:r>
-              <a:rPr lang="pt-BR" sz="5200">
-                <a:latin typeface="Helvetica Light"/>
+              <a:rPr lang="pt-BR" sz="2000">
+                <a:latin typeface="Arial"/>
               </a:rPr>
               <a:t>Fourth Outline Level</a:t>
             </a:r>
             <a:endParaRPr/>
           </a:p>
           <a:p>
-            <a:pPr lvl="4" algn="ctr">
+            <a:pPr lvl="4">
               <a:buSzPct val="45000"/>
               <a:buFont typeface="StarSymbol"/>
               <a:buChar char=""/>
             </a:pPr>
             <a:r>
               <a:rPr lang="pt-BR" sz="2000">
-                <a:latin typeface="Helvetica Light"/>
+                <a:latin typeface="Arial"/>
               </a:rPr>
               <a:t>Fifth Outline Level</a:t>
             </a:r>
             <a:endParaRPr/>
           </a:p>
           <a:p>
-            <a:pPr lvl="5" algn="ctr">
+            <a:pPr lvl="5">
               <a:buSzPct val="45000"/>
               <a:buFont typeface="StarSymbol"/>
               <a:buChar char=""/>
             </a:pPr>
             <a:r>
               <a:rPr lang="pt-BR" sz="2000">
-                <a:latin typeface="Helvetica Light"/>
+                <a:latin typeface="Arial"/>
               </a:rPr>
               <a:t>Sixth Outline Level</a:t>
             </a:r>
             <a:endParaRPr/>
           </a:p>
           <a:p>
-            <a:pPr lvl="6" algn="ctr">
+            <a:pPr lvl="6">
               <a:buSzPct val="45000"/>
               <a:buFont typeface="StarSymbol"/>
               <a:buChar char=""/>
             </a:pPr>
             <a:r>
               <a:rPr lang="pt-BR" sz="2000">
-                <a:latin typeface="Helvetica Light"/>
+                <a:latin typeface="Arial"/>
               </a:rPr>
               <a:t>Seventh Outline Level</a:t>
             </a:r>
@@ -4101,8 +3941,8 @@
           <a:p>
             <a:pPr algn="ctr"/>
             <a:r>
-              <a:rPr lang="pt-BR" sz="5000">
-                <a:latin typeface="Helvetica Light"/>
+              <a:rPr lang="pt-BR" sz="4400">
+                <a:latin typeface="Arial"/>
               </a:rPr>
               <a:t>Click to edit the title text format</a:t>
             </a:r>
@@ -4132,98 +3972,98 @@
         <p:txBody>
           <a:bodyPr lIns="0" rIns="0" tIns="0" bIns="0"/>
           <a:p>
-            <a:pPr algn="ctr">
+            <a:pPr>
               <a:buSzPct val="45000"/>
               <a:buFont typeface="StarSymbol"/>
               <a:buChar char=""/>
             </a:pPr>
             <a:r>
-              <a:rPr lang="pt-BR" sz="5200">
-                <a:latin typeface="Helvetica Light"/>
+              <a:rPr lang="pt-BR" sz="3200">
+                <a:latin typeface="Arial"/>
               </a:rPr>
               <a:t>Click to edit the outline text format</a:t>
             </a:r>
             <a:endParaRPr/>
           </a:p>
           <a:p>
-            <a:pPr lvl="1" algn="ctr">
+            <a:pPr lvl="1">
               <a:buSzPct val="75000"/>
               <a:buFont typeface="StarSymbol"/>
               <a:buChar char=""/>
             </a:pPr>
             <a:r>
-              <a:rPr lang="pt-BR" sz="5200">
-                <a:latin typeface="Helvetica Light"/>
+              <a:rPr lang="pt-BR" sz="2800">
+                <a:latin typeface="Arial"/>
               </a:rPr>
               <a:t>Second Outline Level</a:t>
             </a:r>
             <a:endParaRPr/>
           </a:p>
           <a:p>
-            <a:pPr lvl="2" algn="ctr">
+            <a:pPr lvl="2">
               <a:buSzPct val="45000"/>
               <a:buFont typeface="StarSymbol"/>
               <a:buChar char=""/>
             </a:pPr>
             <a:r>
-              <a:rPr lang="pt-BR" sz="5200">
-                <a:latin typeface="Helvetica Light"/>
+              <a:rPr lang="pt-BR" sz="2400">
+                <a:latin typeface="Arial"/>
               </a:rPr>
               <a:t>Third Outline Level</a:t>
             </a:r>
             <a:endParaRPr/>
           </a:p>
           <a:p>
-            <a:pPr lvl="3" algn="ctr">
+            <a:pPr lvl="3">
               <a:buSzPct val="75000"/>
               <a:buFont typeface="StarSymbol"/>
               <a:buChar char=""/>
             </a:pPr>
             <a:r>
-              <a:rPr lang="pt-BR" sz="5200">
-                <a:latin typeface="Helvetica Light"/>
+              <a:rPr lang="pt-BR" sz="2000">
+                <a:latin typeface="Arial"/>
               </a:rPr>
               <a:t>Fourth Outline Level</a:t>
             </a:r>
             <a:endParaRPr/>
           </a:p>
           <a:p>
-            <a:pPr lvl="4" algn="ctr">
+            <a:pPr lvl="4">
               <a:buSzPct val="45000"/>
               <a:buFont typeface="StarSymbol"/>
               <a:buChar char=""/>
             </a:pPr>
             <a:r>
               <a:rPr lang="pt-BR" sz="2000">
-                <a:latin typeface="Helvetica Light"/>
+                <a:latin typeface="Arial"/>
               </a:rPr>
               <a:t>Fifth Outline Level</a:t>
             </a:r>
             <a:endParaRPr/>
           </a:p>
           <a:p>
-            <a:pPr lvl="5" algn="ctr">
+            <a:pPr lvl="5">
               <a:buSzPct val="45000"/>
               <a:buFont typeface="StarSymbol"/>
               <a:buChar char=""/>
             </a:pPr>
             <a:r>
               <a:rPr lang="pt-BR" sz="2000">
-                <a:latin typeface="Helvetica Light"/>
+                <a:latin typeface="Arial"/>
               </a:rPr>
               <a:t>Sixth Outline Level</a:t>
             </a:r>
             <a:endParaRPr/>
           </a:p>
           <a:p>
-            <a:pPr lvl="6" algn="ctr">
+            <a:pPr lvl="6">
               <a:buSzPct val="45000"/>
               <a:buFont typeface="StarSymbol"/>
               <a:buChar char=""/>
             </a:pPr>
             <a:r>
               <a:rPr lang="pt-BR" sz="2000">
-                <a:latin typeface="Helvetica Light"/>
+                <a:latin typeface="Arial"/>
               </a:rPr>
               <a:t>Seventh Outline Level</a:t>
             </a:r>
@@ -4281,7 +4121,7 @@
         <p:spPr>
           <a:xfrm>
             <a:off x="3276360" y="2674800"/>
-            <a:ext cx="17831160" cy="6038280"/>
+            <a:ext cx="17830440" cy="6037560"/>
           </a:xfrm>
           <a:prstGeom prst="rect">
             <a:avLst/>
@@ -4300,7 +4140,7 @@
         <p:spPr>
           <a:xfrm>
             <a:off x="3371760" y="8831160"/>
-            <a:ext cx="18089280" cy="2082960"/>
+            <a:ext cx="18088560" cy="2082240"/>
           </a:xfrm>
           <a:prstGeom prst="rect">
             <a:avLst/>
@@ -4400,7 +4240,7 @@
         <p:spPr>
           <a:xfrm>
             <a:off x="-146520" y="-1158120"/>
-            <a:ext cx="24676560" cy="16450920"/>
+            <a:ext cx="24675840" cy="16450200"/>
           </a:xfrm>
           <a:prstGeom prst="rect">
             <a:avLst/>
@@ -4419,7 +4259,7 @@
         <p:spPr>
           <a:xfrm>
             <a:off x="-789120" y="-969840"/>
-            <a:ext cx="26549640" cy="14810400"/>
+            <a:ext cx="26548920" cy="14809680"/>
           </a:xfrm>
           <a:prstGeom prst="rect">
             <a:avLst/>
@@ -4449,14 +4289,14 @@
       </p:sp>
       <p:sp>
         <p:nvSpPr>
-          <p:cNvPr id="112" name="TextShape 2"/>
-          <p:cNvSpPr txBox="1"/>
+          <p:cNvPr id="112" name="CustomShape 2"/>
+          <p:cNvSpPr/>
           <p:nvPr/>
         </p:nvSpPr>
         <p:spPr>
           <a:xfrm>
             <a:off x="811800" y="4568040"/>
-            <a:ext cx="21005280" cy="2285640"/>
+            <a:ext cx="21004560" cy="2284920"/>
           </a:xfrm>
           <a:prstGeom prst="rect">
             <a:avLst/>
@@ -4466,6 +4306,12 @@
             <a:noFill/>
           </a:ln>
         </p:spPr>
+        <p:style>
+          <a:lnRef idx="0"/>
+          <a:fillRef idx="0"/>
+          <a:effectRef idx="0"/>
+          <a:fontRef idx="minor"/>
+        </p:style>
         <p:txBody>
           <a:bodyPr lIns="0" rIns="0" tIns="0" bIns="0" anchor="ctr"/>
           <a:p>
@@ -4497,7 +4343,7 @@
         <p:spPr>
           <a:xfrm>
             <a:off x="819000" y="7105680"/>
-            <a:ext cx="10577880" cy="5257440"/>
+            <a:ext cx="10577160" cy="5256720"/>
           </a:xfrm>
           <a:prstGeom prst="rect">
             <a:avLst/>
@@ -4544,7 +4390,7 @@
         <p:spPr>
           <a:xfrm>
             <a:off x="2865240" y="635760"/>
-            <a:ext cx="21005280" cy="2285640"/>
+            <a:ext cx="21004560" cy="2284920"/>
           </a:xfrm>
           <a:prstGeom prst="rect">
             <a:avLst/>
@@ -4658,7 +4504,7 @@
         <p:spPr>
           <a:xfrm>
             <a:off x="4253040" y="7519320"/>
-            <a:ext cx="1663200" cy="864000"/>
+            <a:ext cx="1662480" cy="863280"/>
           </a:xfrm>
           <a:prstGeom prst="rect">
             <a:avLst/>
@@ -4705,7 +4551,7 @@
         <p:spPr>
           <a:xfrm>
             <a:off x="9961200" y="7519320"/>
-            <a:ext cx="4461480" cy="864000"/>
+            <a:ext cx="4460760" cy="863280"/>
           </a:xfrm>
           <a:prstGeom prst="rect">
             <a:avLst/>
@@ -4752,7 +4598,7 @@
         <p:spPr>
           <a:xfrm>
             <a:off x="17226360" y="7519320"/>
-            <a:ext cx="4145760" cy="864000"/>
+            <a:ext cx="4145040" cy="863280"/>
           </a:xfrm>
           <a:prstGeom prst="rect">
             <a:avLst/>
@@ -4799,7 +4645,7 @@
         <p:spPr>
           <a:xfrm>
             <a:off x="3023640" y="2674440"/>
-            <a:ext cx="4122360" cy="4122360"/>
+            <a:ext cx="4121640" cy="4121640"/>
           </a:xfrm>
           <a:custGeom>
             <a:avLst/>
@@ -4858,7 +4704,7 @@
         <p:spPr>
           <a:xfrm>
             <a:off x="10130760" y="2674440"/>
-            <a:ext cx="4122360" cy="4122360"/>
+            <a:ext cx="4121640" cy="4121640"/>
           </a:xfrm>
           <a:custGeom>
             <a:avLst/>
@@ -4917,7 +4763,7 @@
         <p:spPr>
           <a:xfrm>
             <a:off x="17237520" y="2674440"/>
-            <a:ext cx="4122360" cy="4122360"/>
+            <a:ext cx="4121640" cy="4121640"/>
           </a:xfrm>
           <a:custGeom>
             <a:avLst/>
@@ -4980,7 +4826,7 @@
         <p:spPr>
           <a:xfrm>
             <a:off x="4086720" y="3666960"/>
-            <a:ext cx="1995840" cy="2136600"/>
+            <a:ext cx="1995120" cy="2135880"/>
           </a:xfrm>
           <a:prstGeom prst="rect">
             <a:avLst/>
@@ -5003,7 +4849,7 @@
         <p:spPr>
           <a:xfrm>
             <a:off x="11318400" y="3676320"/>
-            <a:ext cx="1746360" cy="2118240"/>
+            <a:ext cx="1745640" cy="2117520"/>
           </a:xfrm>
           <a:prstGeom prst="rect">
             <a:avLst/>
@@ -5026,7 +4872,7 @@
         <p:spPr>
           <a:xfrm>
             <a:off x="18300960" y="3826440"/>
-            <a:ext cx="2008800" cy="1818000"/>
+            <a:ext cx="2008080" cy="1817280"/>
           </a:xfrm>
           <a:prstGeom prst="rect">
             <a:avLst/>
@@ -5045,7 +4891,7 @@
         <p:spPr>
           <a:xfrm>
             <a:off x="2032920" y="8773200"/>
-            <a:ext cx="6103440" cy="2743560"/>
+            <a:ext cx="6102720" cy="2742840"/>
           </a:xfrm>
           <a:prstGeom prst="rect">
             <a:avLst/>
@@ -5071,6 +4917,9 @@
             </a:pPr>
             <a:r>
               <a:rPr lang="pt-BR" sz="3600" strike="noStrike">
+                <a:solidFill>
+                  <a:srgbClr val="000000"/>
+                </a:solidFill>
                 <a:latin typeface="Open Sans"/>
                 <a:ea typeface="Open Sans"/>
               </a:rPr>
@@ -5089,7 +4938,7 @@
         <p:spPr>
           <a:xfrm>
             <a:off x="9140040" y="8784000"/>
-            <a:ext cx="6103440" cy="1814040"/>
+            <a:ext cx="6102720" cy="1813320"/>
           </a:xfrm>
           <a:prstGeom prst="rect">
             <a:avLst/>
@@ -5115,6 +4964,9 @@
             </a:pPr>
             <a:r>
               <a:rPr lang="pt-BR" sz="3500" strike="noStrike">
+                <a:solidFill>
+                  <a:srgbClr val="000000"/>
+                </a:solidFill>
                 <a:latin typeface="Open Sans"/>
                 <a:ea typeface="Open Sans"/>
               </a:rPr>
@@ -5133,7 +4985,7 @@
         <p:spPr>
           <a:xfrm>
             <a:off x="16247160" y="8776080"/>
-            <a:ext cx="6471000" cy="3292200"/>
+            <a:ext cx="6470280" cy="3291480"/>
           </a:xfrm>
           <a:prstGeom prst="rect">
             <a:avLst/>
@@ -5159,6 +5011,9 @@
             </a:pPr>
             <a:r>
               <a:rPr lang="pt-BR" sz="3600" strike="noStrike">
+                <a:solidFill>
+                  <a:srgbClr val="000000"/>
+                </a:solidFill>
                 <a:latin typeface="Open Sans"/>
                 <a:ea typeface="Open Sans"/>
               </a:rPr>
@@ -5230,7 +5085,7 @@
         <p:spPr>
           <a:xfrm>
             <a:off x="-812520" y="-1211400"/>
-            <a:ext cx="25066080" cy="16719120"/>
+            <a:ext cx="25065360" cy="16718400"/>
           </a:xfrm>
           <a:prstGeom prst="rect">
             <a:avLst/>
@@ -5249,7 +5104,7 @@
         <p:spPr>
           <a:xfrm>
             <a:off x="-1270440" y="-46080"/>
-            <a:ext cx="26549640" cy="14810400"/>
+            <a:ext cx="26548920" cy="14809680"/>
           </a:xfrm>
           <a:prstGeom prst="rect">
             <a:avLst/>
@@ -5279,14 +5134,14 @@
       </p:sp>
       <p:sp>
         <p:nvSpPr>
-          <p:cNvPr id="129" name="TextShape 2"/>
-          <p:cNvSpPr txBox="1"/>
+          <p:cNvPr id="129" name="CustomShape 2"/>
+          <p:cNvSpPr/>
           <p:nvPr/>
         </p:nvSpPr>
         <p:spPr>
           <a:xfrm>
             <a:off x="758880" y="4805280"/>
-            <a:ext cx="21005280" cy="2285640"/>
+            <a:ext cx="21004560" cy="2284920"/>
           </a:xfrm>
           <a:prstGeom prst="rect">
             <a:avLst/>
@@ -5296,6 +5151,12 @@
             <a:noFill/>
           </a:ln>
         </p:spPr>
+        <p:style>
+          <a:lnRef idx="0"/>
+          <a:fillRef idx="0"/>
+          <a:effectRef idx="0"/>
+          <a:fontRef idx="minor"/>
+        </p:style>
         <p:txBody>
           <a:bodyPr lIns="0" rIns="0" tIns="0" bIns="0" anchor="ctr"/>
           <a:p>
@@ -5327,7 +5188,7 @@
         <p:spPr>
           <a:xfrm>
             <a:off x="924480" y="6672240"/>
-            <a:ext cx="10577880" cy="3939840"/>
+            <a:ext cx="10577160" cy="3939120"/>
           </a:xfrm>
           <a:prstGeom prst="rect">
             <a:avLst/>
@@ -5374,7 +5235,7 @@
         <p:spPr>
           <a:xfrm>
             <a:off x="14832000" y="2160000"/>
-            <a:ext cx="1891800" cy="695160"/>
+            <a:ext cx="1891080" cy="694440"/>
           </a:xfrm>
           <a:prstGeom prst="rect">
             <a:avLst/>
@@ -5421,7 +5282,7 @@
         <p:spPr>
           <a:xfrm>
             <a:off x="13134960" y="6323400"/>
-            <a:ext cx="3533040" cy="696600"/>
+            <a:ext cx="3532320" cy="695880"/>
           </a:xfrm>
           <a:prstGeom prst="rect">
             <a:avLst/>
@@ -5472,7 +5333,7 @@
         <p:spPr>
           <a:xfrm>
             <a:off x="16794000" y="4410000"/>
-            <a:ext cx="4734000" cy="4734000"/>
+            <a:ext cx="4733280" cy="4733280"/>
           </a:xfrm>
           <a:prstGeom prst="rect">
             <a:avLst/>
@@ -5495,7 +5356,7 @@
         <p:spPr>
           <a:xfrm>
             <a:off x="16794000" y="8662320"/>
-            <a:ext cx="4734000" cy="4734000"/>
+            <a:ext cx="4733280" cy="4733280"/>
           </a:xfrm>
           <a:prstGeom prst="rect">
             <a:avLst/>
@@ -5514,7 +5375,7 @@
         <p:spPr>
           <a:xfrm>
             <a:off x="13405680" y="10692000"/>
-            <a:ext cx="3298320" cy="696600"/>
+            <a:ext cx="3297600" cy="695880"/>
           </a:xfrm>
           <a:prstGeom prst="rect">
             <a:avLst/>
@@ -5565,7 +5426,7 @@
         <p:spPr>
           <a:xfrm>
             <a:off x="16794000" y="180000"/>
-            <a:ext cx="4734000" cy="4734000"/>
+            <a:ext cx="4733280" cy="4733280"/>
           </a:xfrm>
           <a:prstGeom prst="rect">
             <a:avLst/>
@@ -5637,7 +5498,7 @@
         <p:spPr>
           <a:xfrm>
             <a:off x="-54720" y="-125640"/>
-            <a:ext cx="26083800" cy="17397720"/>
+            <a:ext cx="26083080" cy="17397000"/>
           </a:xfrm>
           <a:prstGeom prst="rect">
             <a:avLst/>
@@ -5656,7 +5517,7 @@
         <p:spPr>
           <a:xfrm>
             <a:off x="-287640" y="-547560"/>
-            <a:ext cx="26549640" cy="14810400"/>
+            <a:ext cx="26548920" cy="14809680"/>
           </a:xfrm>
           <a:prstGeom prst="rect">
             <a:avLst/>
@@ -5686,14 +5547,14 @@
       </p:sp>
       <p:sp>
         <p:nvSpPr>
-          <p:cNvPr id="139" name="TextShape 2"/>
-          <p:cNvSpPr txBox="1"/>
+          <p:cNvPr id="139" name="CustomShape 2"/>
+          <p:cNvSpPr/>
           <p:nvPr/>
         </p:nvSpPr>
         <p:spPr>
           <a:xfrm>
             <a:off x="890640" y="682560"/>
-            <a:ext cx="21005280" cy="2285640"/>
+            <a:ext cx="21004560" cy="2284920"/>
           </a:xfrm>
           <a:prstGeom prst="rect">
             <a:avLst/>
@@ -5703,6 +5564,12 @@
             <a:noFill/>
           </a:ln>
         </p:spPr>
+        <p:style>
+          <a:lnRef idx="0"/>
+          <a:fillRef idx="0"/>
+          <a:effectRef idx="0"/>
+          <a:fontRef idx="minor"/>
+        </p:style>
         <p:txBody>
           <a:bodyPr lIns="0" rIns="0" tIns="0" bIns="0" anchor="ctr"/>
           <a:p>
@@ -5734,7 +5601,7 @@
         <p:spPr>
           <a:xfrm>
             <a:off x="898200" y="2615760"/>
-            <a:ext cx="10577880" cy="9204480"/>
+            <a:ext cx="10577160" cy="9203760"/>
           </a:xfrm>
           <a:prstGeom prst="rect">
             <a:avLst/>
@@ -5849,14 +5716,14 @@
       </p:grpSpPr>
       <p:sp>
         <p:nvSpPr>
-          <p:cNvPr id="141" name="TextShape 1"/>
-          <p:cNvSpPr txBox="1"/>
+          <p:cNvPr id="141" name="CustomShape 1"/>
+          <p:cNvSpPr/>
           <p:nvPr/>
         </p:nvSpPr>
         <p:spPr>
           <a:xfrm>
             <a:off x="890640" y="682560"/>
-            <a:ext cx="21005280" cy="2285640"/>
+            <a:ext cx="21004560" cy="2284920"/>
           </a:xfrm>
           <a:prstGeom prst="rect">
             <a:avLst/>
@@ -5866,6 +5733,12 @@
             <a:noFill/>
           </a:ln>
         </p:spPr>
+        <p:style>
+          <a:lnRef idx="0"/>
+          <a:fillRef idx="0"/>
+          <a:effectRef idx="0"/>
+          <a:fontRef idx="minor"/>
+        </p:style>
         <p:txBody>
           <a:bodyPr lIns="0" rIns="0" tIns="0" bIns="0" anchor="ctr"/>
           <a:p>
@@ -5897,7 +5770,7 @@
         <p:spPr>
           <a:xfrm>
             <a:off x="871920" y="3048840"/>
-            <a:ext cx="10577880" cy="650880"/>
+            <a:ext cx="10577160" cy="650160"/>
           </a:xfrm>
           <a:prstGeom prst="rect">
             <a:avLst/>
@@ -5923,6 +5796,9 @@
             </a:pPr>
             <a:r>
               <a:rPr lang="pt-BR" sz="3600" strike="noStrike">
+                <a:solidFill>
+                  <a:srgbClr val="000000"/>
+                </a:solidFill>
                 <a:latin typeface="Open Sans"/>
                 <a:ea typeface="Open Sans"/>
               </a:rPr>
@@ -5932,16 +5808,39 @@
           </a:p>
         </p:txBody>
       </p:sp>
-      <p:sp>
-        <p:nvSpPr>
-          <p:cNvPr id="143" name="CustomShape 3"/>
+      <p:pic>
+        <p:nvPicPr>
+          <p:cNvPr id="143" name="pasted-image.tif" descr=""/>
+          <p:cNvPicPr/>
+          <p:nvPr/>
+        </p:nvPicPr>
+        <p:blipFill>
+          <a:blip r:embed="rId1"/>
+          <a:stretch/>
+        </p:blipFill>
+        <p:spPr>
+          <a:xfrm>
+            <a:off x="2994120" y="5204520"/>
+            <a:ext cx="2525040" cy="2284920"/>
+          </a:xfrm>
+          <a:prstGeom prst="rect">
+            <a:avLst/>
+          </a:prstGeom>
+          <a:ln w="12600">
+            <a:noFill/>
+          </a:ln>
+        </p:spPr>
+      </p:pic>
+      <p:sp>
+        <p:nvSpPr>
+          <p:cNvPr id="144" name="CustomShape 3"/>
           <p:cNvSpPr/>
           <p:nvPr/>
         </p:nvSpPr>
         <p:spPr>
           <a:xfrm>
             <a:off x="2418840" y="4420440"/>
-            <a:ext cx="3650400" cy="3650400"/>
+            <a:ext cx="3649680" cy="3649680"/>
           </a:xfrm>
           <a:custGeom>
             <a:avLst/>
@@ -5991,29 +5890,6 @@
           <a:fontRef idx="minor"/>
         </p:style>
       </p:sp>
-      <p:pic>
-        <p:nvPicPr>
-          <p:cNvPr id="144" name="pasted-image.tif" descr=""/>
-          <p:cNvPicPr/>
-          <p:nvPr/>
-        </p:nvPicPr>
-        <p:blipFill>
-          <a:blip r:embed="rId1"/>
-          <a:stretch/>
-        </p:blipFill>
-        <p:spPr>
-          <a:xfrm>
-            <a:off x="2994120" y="5204520"/>
-            <a:ext cx="2525760" cy="2285640"/>
-          </a:xfrm>
-          <a:prstGeom prst="rect">
-            <a:avLst/>
-          </a:prstGeom>
-          <a:ln w="12600">
-            <a:noFill/>
-          </a:ln>
-        </p:spPr>
-      </p:pic>
       <p:sp>
         <p:nvSpPr>
           <p:cNvPr id="145" name="CustomShape 4"/>
@@ -6023,7 +5899,7 @@
         <p:spPr>
           <a:xfrm>
             <a:off x="10386000" y="4420440"/>
-            <a:ext cx="3650400" cy="3650400"/>
+            <a:ext cx="3649680" cy="3649680"/>
           </a:xfrm>
           <a:custGeom>
             <a:avLst/>
@@ -6082,7 +5958,7 @@
         <p:spPr>
           <a:xfrm>
             <a:off x="18353160" y="4420440"/>
-            <a:ext cx="3650400" cy="3650400"/>
+            <a:ext cx="3649680" cy="3649680"/>
           </a:xfrm>
           <a:custGeom>
             <a:avLst/>
@@ -6145,7 +6021,7 @@
         <p:spPr>
           <a:xfrm>
             <a:off x="11231640" y="5478120"/>
-            <a:ext cx="1920600" cy="1738080"/>
+            <a:ext cx="1919880" cy="1737360"/>
           </a:xfrm>
           <a:prstGeom prst="rect">
             <a:avLst/>
@@ -6168,7 +6044,7 @@
         <p:spPr>
           <a:xfrm>
             <a:off x="19474920" y="5710680"/>
-            <a:ext cx="1406880" cy="1273320"/>
+            <a:ext cx="1406160" cy="1272600"/>
           </a:xfrm>
           <a:prstGeom prst="rect">
             <a:avLst/>
@@ -6187,7 +6063,7 @@
         <p:spPr>
           <a:xfrm>
             <a:off x="2051280" y="8416440"/>
-            <a:ext cx="4386600" cy="864000"/>
+            <a:ext cx="4385880" cy="863280"/>
           </a:xfrm>
           <a:prstGeom prst="rect">
             <a:avLst/>
@@ -6234,7 +6110,7 @@
         <p:spPr>
           <a:xfrm>
             <a:off x="10359000" y="8416440"/>
-            <a:ext cx="3705480" cy="864000"/>
+            <a:ext cx="3704760" cy="863280"/>
           </a:xfrm>
           <a:prstGeom prst="rect">
             <a:avLst/>
@@ -6281,7 +6157,7 @@
         <p:spPr>
           <a:xfrm>
             <a:off x="18325800" y="8416440"/>
-            <a:ext cx="3705480" cy="864000"/>
+            <a:ext cx="3704760" cy="863280"/>
           </a:xfrm>
           <a:prstGeom prst="rect">
             <a:avLst/>
@@ -6328,7 +6204,7 @@
         <p:spPr>
           <a:xfrm>
             <a:off x="1181880" y="9726120"/>
-            <a:ext cx="6149520" cy="3411000"/>
+            <a:ext cx="6148800" cy="3410280"/>
           </a:xfrm>
           <a:prstGeom prst="rect">
             <a:avLst/>
@@ -6357,6 +6233,9 @@
             </a:pPr>
             <a:r>
               <a:rPr lang="pt-BR" sz="3200" strike="noStrike">
+                <a:solidFill>
+                  <a:srgbClr val="000000"/>
+                </a:solidFill>
                 <a:latin typeface="Open Sans"/>
                 <a:ea typeface="Open Sans"/>
               </a:rPr>
@@ -6375,6 +6254,9 @@
             </a:pPr>
             <a:r>
               <a:rPr lang="pt-BR" sz="3200" strike="noStrike">
+                <a:solidFill>
+                  <a:srgbClr val="000000"/>
+                </a:solidFill>
                 <a:latin typeface="Open Sans"/>
                 <a:ea typeface="Open Sans"/>
               </a:rPr>
@@ -6393,6 +6275,9 @@
             </a:pPr>
             <a:r>
               <a:rPr lang="pt-BR" sz="3200" strike="noStrike">
+                <a:solidFill>
+                  <a:srgbClr val="000000"/>
+                </a:solidFill>
                 <a:latin typeface="Open Sans"/>
                 <a:ea typeface="Open Sans"/>
               </a:rPr>
@@ -6411,6 +6296,9 @@
             </a:pPr>
             <a:r>
               <a:rPr b="1" lang="pt-BR" sz="3200" strike="noStrike">
+                <a:solidFill>
+                  <a:srgbClr val="000000"/>
+                </a:solidFill>
                 <a:latin typeface="Open Sans"/>
                 <a:ea typeface="Open Sans"/>
               </a:rPr>
@@ -6429,7 +6317,7 @@
         <p:spPr>
           <a:xfrm>
             <a:off x="9136440" y="9726120"/>
-            <a:ext cx="6149520" cy="2241000"/>
+            <a:ext cx="6148800" cy="2240280"/>
           </a:xfrm>
           <a:prstGeom prst="rect">
             <a:avLst/>
@@ -6458,6 +6346,9 @@
             </a:pPr>
             <a:r>
               <a:rPr lang="pt-BR" sz="3200" strike="noStrike">
+                <a:solidFill>
+                  <a:srgbClr val="000000"/>
+                </a:solidFill>
                 <a:latin typeface="Open Sans"/>
                 <a:ea typeface="Open Sans"/>
               </a:rPr>
@@ -6476,6 +6367,9 @@
             </a:pPr>
             <a:r>
               <a:rPr lang="pt-BR" sz="3200" strike="noStrike">
+                <a:solidFill>
+                  <a:srgbClr val="000000"/>
+                </a:solidFill>
                 <a:latin typeface="Open Sans"/>
                 <a:ea typeface="Open Sans"/>
               </a:rPr>
@@ -6494,6 +6388,9 @@
             </a:pPr>
             <a:r>
               <a:rPr lang="pt-BR" sz="3200" strike="noStrike">
+                <a:solidFill>
+                  <a:srgbClr val="000000"/>
+                </a:solidFill>
                 <a:latin typeface="Open Sans"/>
                 <a:ea typeface="Open Sans"/>
               </a:rPr>
@@ -6512,7 +6409,7 @@
         <p:spPr>
           <a:xfrm>
             <a:off x="17103600" y="9726120"/>
-            <a:ext cx="6149520" cy="487800"/>
+            <a:ext cx="6148800" cy="487080"/>
           </a:xfrm>
           <a:prstGeom prst="rect">
             <a:avLst/>
@@ -6541,6 +6438,9 @@
             </a:pPr>
             <a:r>
               <a:rPr lang="pt-BR" sz="3200" strike="noStrike">
+                <a:solidFill>
+                  <a:srgbClr val="000000"/>
+                </a:solidFill>
                 <a:latin typeface="Open Sans"/>
                 <a:ea typeface="Open Sans"/>
               </a:rPr>
@@ -6601,14 +6501,14 @@
       </p:grpSpPr>
       <p:sp>
         <p:nvSpPr>
-          <p:cNvPr id="155" name="TextShape 1"/>
-          <p:cNvSpPr txBox="1"/>
+          <p:cNvPr id="155" name="CustomShape 1"/>
+          <p:cNvSpPr/>
           <p:nvPr/>
         </p:nvSpPr>
         <p:spPr>
           <a:xfrm>
             <a:off x="917280" y="1983600"/>
-            <a:ext cx="8442720" cy="2285640"/>
+            <a:ext cx="8442000" cy="2284920"/>
           </a:xfrm>
           <a:prstGeom prst="rect">
             <a:avLst/>
@@ -6618,6 +6518,12 @@
             <a:noFill/>
           </a:ln>
         </p:spPr>
+        <p:style>
+          <a:lnRef idx="0"/>
+          <a:fillRef idx="0"/>
+          <a:effectRef idx="0"/>
+          <a:fontRef idx="minor"/>
+        </p:style>
         <p:txBody>
           <a:bodyPr lIns="0" rIns="0" tIns="0" bIns="0" anchor="ctr"/>
           <a:p>
@@ -6649,7 +6555,7 @@
         <p:spPr>
           <a:xfrm>
             <a:off x="912240" y="4854960"/>
-            <a:ext cx="11543760" cy="8970840"/>
+            <a:ext cx="11543040" cy="8970120"/>
           </a:xfrm>
           <a:prstGeom prst="rect">
             <a:avLst/>
@@ -6744,7 +6650,7 @@
         <p:spPr>
           <a:xfrm>
             <a:off x="10559880" y="8711280"/>
-            <a:ext cx="13824000" cy="5004720"/>
+            <a:ext cx="13823280" cy="5004000"/>
           </a:xfrm>
           <a:prstGeom prst="rect">
             <a:avLst/>

--- a/Parceiros/djangogirls.pptx
+++ b/Parceiros/djangogirls.pptx
@@ -4180,33 +4180,6 @@
       </p:sp>
     </p:spTree>
   </p:cSld>
-  <p:timing>
-    <p:tnLst>
-      <p:par>
-        <p:cTn id="1" dur="indefinite" restart="never" nodeType="tmRoot">
-          <p:childTnLst>
-            <p:seq>
-              <p:cTn id="2" nodeType="mainSeq"/>
-              <p:prevCondLst>
-                <p:cond delay="0" evt="onPrev">
-                  <p:tgtEl>
-                    <p:sldTgt/>
-                  </p:tgtEl>
-                </p:cond>
-              </p:prevCondLst>
-              <p:nextCondLst>
-                <p:cond delay="0" evt="onNext">
-                  <p:tgtEl>
-                    <p:sldTgt/>
-                  </p:tgtEl>
-                </p:cond>
-              </p:nextCondLst>
-            </p:seq>
-          </p:childTnLst>
-        </p:cTn>
-      </p:par>
-    </p:tnLst>
-  </p:timing>
 </p:sld>
 </file>
 
@@ -4272,13 +4245,6 @@
           <a:ln w="12600">
             <a:noFill/>
           </a:ln>
-          <a:effectLst>
-            <a:outerShdw algn="b" blurRad="38100" dir="5400000" dist="25400" kx="0" ky="0" rotWithShape="0" sx="100000" sy="100000">
-              <a:srgbClr val="000000">
-                <a:alpha val="50000"/>
-              </a:srgbClr>
-            </a:outerShdw>
-          </a:effectLst>
         </p:spPr>
         <p:style>
           <a:lnRef idx="0"/>
@@ -4448,33 +4414,6 @@
       </p:sp>
     </p:spTree>
   </p:cSld>
-  <p:timing>
-    <p:tnLst>
-      <p:par>
-        <p:cTn id="3" dur="indefinite" restart="never" nodeType="tmRoot">
-          <p:childTnLst>
-            <p:seq>
-              <p:cTn id="4" nodeType="mainSeq"/>
-              <p:prevCondLst>
-                <p:cond delay="0" evt="onPrev">
-                  <p:tgtEl>
-                    <p:sldTgt/>
-                  </p:tgtEl>
-                </p:cond>
-              </p:prevCondLst>
-              <p:nextCondLst>
-                <p:cond delay="0" evt="onNext">
-                  <p:tgtEl>
-                    <p:sldTgt/>
-                  </p:tgtEl>
-                </p:cond>
-              </p:nextCondLst>
-            </p:seq>
-          </p:childTnLst>
-        </p:cTn>
-      </p:par>
-    </p:tnLst>
-  </p:timing>
 </p:sld>
 </file>
 
@@ -4923,7 +4862,7 @@
                 <a:latin typeface="Open Sans"/>
                 <a:ea typeface="Open Sans"/>
               </a:rPr>
-              <a:t>Mulheres desprevilegiadas que nunca programaram antes mas estão motivadas para entrar na área</a:t>
+              <a:t>Mulheres desprivilegiadas que nunca programaram antes mas estão motivadas para entrar na área</a:t>
             </a:r>
             <a:endParaRPr/>
           </a:p>
@@ -5025,33 +4964,6 @@
       </p:sp>
     </p:spTree>
   </p:cSld>
-  <p:timing>
-    <p:tnLst>
-      <p:par>
-        <p:cTn id="5" dur="indefinite" restart="never" nodeType="tmRoot">
-          <p:childTnLst>
-            <p:seq>
-              <p:cTn id="6" nodeType="mainSeq"/>
-              <p:prevCondLst>
-                <p:cond delay="0" evt="onPrev">
-                  <p:tgtEl>
-                    <p:sldTgt/>
-                  </p:tgtEl>
-                </p:cond>
-              </p:prevCondLst>
-              <p:nextCondLst>
-                <p:cond delay="0" evt="onNext">
-                  <p:tgtEl>
-                    <p:sldTgt/>
-                  </p:tgtEl>
-                </p:cond>
-              </p:nextCondLst>
-            </p:seq>
-          </p:childTnLst>
-        </p:cTn>
-      </p:par>
-    </p:tnLst>
-  </p:timing>
 </p:sld>
 </file>
 
@@ -5117,13 +5029,6 @@
           <a:ln w="12600">
             <a:noFill/>
           </a:ln>
-          <a:effectLst>
-            <a:outerShdw algn="b" blurRad="38100" dir="5400000" dist="25400" kx="0" ky="0" rotWithShape="0" sx="100000" sy="100000">
-              <a:srgbClr val="000000">
-                <a:alpha val="50000"/>
-              </a:srgbClr>
-            </a:outerShdw>
-          </a:effectLst>
         </p:spPr>
         <p:style>
           <a:lnRef idx="0"/>
@@ -5438,33 +5343,6 @@
       </p:pic>
     </p:spTree>
   </p:cSld>
-  <p:timing>
-    <p:tnLst>
-      <p:par>
-        <p:cTn id="7" dur="indefinite" restart="never" nodeType="tmRoot">
-          <p:childTnLst>
-            <p:seq>
-              <p:cTn id="8" nodeType="mainSeq"/>
-              <p:prevCondLst>
-                <p:cond delay="0" evt="onPrev">
-                  <p:tgtEl>
-                    <p:sldTgt/>
-                  </p:tgtEl>
-                </p:cond>
-              </p:prevCondLst>
-              <p:nextCondLst>
-                <p:cond delay="0" evt="onNext">
-                  <p:tgtEl>
-                    <p:sldTgt/>
-                  </p:tgtEl>
-                </p:cond>
-              </p:nextCondLst>
-            </p:seq>
-          </p:childTnLst>
-        </p:cTn>
-      </p:par>
-    </p:tnLst>
-  </p:timing>
 </p:sld>
 </file>
 
@@ -5530,13 +5408,6 @@
           <a:ln w="12600">
             <a:noFill/>
           </a:ln>
-          <a:effectLst>
-            <a:outerShdw algn="b" blurRad="38100" dir="5400000" dist="25400" kx="0" ky="0" rotWithShape="0" sx="100000" sy="100000">
-              <a:srgbClr val="000000">
-                <a:alpha val="50000"/>
-              </a:srgbClr>
-            </a:outerShdw>
-          </a:effectLst>
         </p:spPr>
         <p:style>
           <a:lnRef idx="0"/>
@@ -5667,33 +5538,6 @@
       </p:sp>
     </p:spTree>
   </p:cSld>
-  <p:timing>
-    <p:tnLst>
-      <p:par>
-        <p:cTn id="9" dur="indefinite" restart="never" nodeType="tmRoot">
-          <p:childTnLst>
-            <p:seq>
-              <p:cTn id="10" nodeType="mainSeq"/>
-              <p:prevCondLst>
-                <p:cond delay="0" evt="onPrev">
-                  <p:tgtEl>
-                    <p:sldTgt/>
-                  </p:tgtEl>
-                </p:cond>
-              </p:prevCondLst>
-              <p:nextCondLst>
-                <p:cond delay="0" evt="onNext">
-                  <p:tgtEl>
-                    <p:sldTgt/>
-                  </p:tgtEl>
-                </p:cond>
-              </p:nextCondLst>
-            </p:seq>
-          </p:childTnLst>
-        </p:cTn>
-      </p:par>
-    </p:tnLst>
-  </p:timing>
 </p:sld>
 </file>
 
@@ -6452,33 +6296,6 @@
       </p:sp>
     </p:spTree>
   </p:cSld>
-  <p:timing>
-    <p:tnLst>
-      <p:par>
-        <p:cTn id="11" dur="indefinite" restart="never" nodeType="tmRoot">
-          <p:childTnLst>
-            <p:seq>
-              <p:cTn id="12" nodeType="mainSeq"/>
-              <p:prevCondLst>
-                <p:cond delay="0" evt="onPrev">
-                  <p:tgtEl>
-                    <p:sldTgt/>
-                  </p:tgtEl>
-                </p:cond>
-              </p:prevCondLst>
-              <p:nextCondLst>
-                <p:cond delay="0" evt="onNext">
-                  <p:tgtEl>
-                    <p:sldTgt/>
-                  </p:tgtEl>
-                </p:cond>
-              </p:nextCondLst>
-            </p:seq>
-          </p:childTnLst>
-        </p:cTn>
-      </p:par>
-    </p:tnLst>
-  </p:timing>
 </p:sld>
 </file>
 
@@ -6662,33 +6479,6 @@
       </p:pic>
     </p:spTree>
   </p:cSld>
-  <p:timing>
-    <p:tnLst>
-      <p:par>
-        <p:cTn id="13" dur="indefinite" restart="never" nodeType="tmRoot">
-          <p:childTnLst>
-            <p:seq>
-              <p:cTn id="14" nodeType="mainSeq"/>
-              <p:prevCondLst>
-                <p:cond delay="0" evt="onPrev">
-                  <p:tgtEl>
-                    <p:sldTgt/>
-                  </p:tgtEl>
-                </p:cond>
-              </p:prevCondLst>
-              <p:nextCondLst>
-                <p:cond delay="0" evt="onNext">
-                  <p:tgtEl>
-                    <p:sldTgt/>
-                  </p:tgtEl>
-                </p:cond>
-              </p:nextCondLst>
-            </p:seq>
-          </p:childTnLst>
-        </p:cTn>
-      </p:par>
-    </p:tnLst>
-  </p:timing>
 </p:sld>
 </file>
 
